--- a/[JAVA]/C3/TA14/ta14.pptx
+++ b/[JAVA]/C3/TA14/ta14.pptx
@@ -7,13 +7,17 @@
   <p:sldIdLst>
     <p:sldId id="256" r:id="rId2"/>
     <p:sldId id="264" r:id="rId3"/>
-    <p:sldId id="257" r:id="rId4"/>
-    <p:sldId id="258" r:id="rId5"/>
-    <p:sldId id="259" r:id="rId6"/>
-    <p:sldId id="260" r:id="rId7"/>
-    <p:sldId id="261" r:id="rId8"/>
-    <p:sldId id="262" r:id="rId9"/>
-    <p:sldId id="263" r:id="rId10"/>
+    <p:sldId id="265" r:id="rId4"/>
+    <p:sldId id="266" r:id="rId5"/>
+    <p:sldId id="267" r:id="rId6"/>
+    <p:sldId id="268" r:id="rId7"/>
+    <p:sldId id="269" r:id="rId8"/>
+    <p:sldId id="270" r:id="rId9"/>
+    <p:sldId id="271" r:id="rId10"/>
+    <p:sldId id="272" r:id="rId11"/>
+    <p:sldId id="273" r:id="rId12"/>
+    <p:sldId id="274" r:id="rId13"/>
+    <p:sldId id="275" r:id="rId14"/>
   </p:sldIdLst>
   <p:sldSz cx="12192000" cy="6858000"/>
   <p:notesSz cx="6858000" cy="9144000"/>
@@ -113,6 +117,27 @@
     </a:lvl9pPr>
   </p:defaultTextStyle>
   <p:extLst>
+    <p:ext uri="{521415D9-36F7-43E2-AB2F-B90AF26B5E84}">
+      <p14:sectionLst xmlns:p14="http://schemas.microsoft.com/office/powerpoint/2010/main">
+        <p14:section name="Sección predeterminada" id="{7502298A-9BD5-48F4-85A6-0A309839C0D2}">
+          <p14:sldIdLst>
+            <p14:sldId id="256"/>
+            <p14:sldId id="264"/>
+            <p14:sldId id="265"/>
+            <p14:sldId id="266"/>
+            <p14:sldId id="267"/>
+            <p14:sldId id="268"/>
+            <p14:sldId id="269"/>
+            <p14:sldId id="270"/>
+            <p14:sldId id="271"/>
+            <p14:sldId id="272"/>
+            <p14:sldId id="273"/>
+            <p14:sldId id="274"/>
+            <p14:sldId id="275"/>
+          </p14:sldIdLst>
+        </p14:section>
+      </p14:sectionLst>
+    </p:ext>
     <p:ext uri="{EFAFB233-063F-42B5-8137-9DF3F51BA10A}">
       <p15:sldGuideLst xmlns:p15="http://schemas.microsoft.com/office/powerpoint/2012/main"/>
     </p:ext>
@@ -3337,9 +3362,206 @@
       <p:pic>
         <p:nvPicPr>
           <p:cNvPr id="2" name="Imagen 1">
+            <a:hlinkClick r:id="rId2"/>
             <a:extLst>
               <a:ext uri="{FF2B5EF4-FFF2-40B4-BE49-F238E27FC236}">
                 <a16:creationId xmlns:a16="http://schemas.microsoft.com/office/drawing/2014/main" id="{83D6A5D3-F6EF-5CB4-8CE9-BE2A155742D8}"/>
+              </a:ext>
+            </a:extLst>
+          </p:cNvPr>
+          <p:cNvPicPr>
+            <a:picLocks noChangeAspect="1"/>
+          </p:cNvPicPr>
+          <p:nvPr/>
+        </p:nvPicPr>
+        <p:blipFill>
+          <a:blip r:embed="rId3"/>
+          <a:stretch>
+            <a:fillRect/>
+          </a:stretch>
+        </p:blipFill>
+        <p:spPr>
+          <a:xfrm>
+            <a:off x="2221187" y="2047481"/>
+            <a:ext cx="3874813" cy="3800907"/>
+          </a:xfrm>
+          <a:prstGeom prst="rect">
+            <a:avLst/>
+          </a:prstGeom>
+        </p:spPr>
+      </p:pic>
+      <p:pic>
+        <p:nvPicPr>
+          <p:cNvPr id="3" name="Imagen 2">
+            <a:hlinkClick r:id="rId4"/>
+            <a:extLst>
+              <a:ext uri="{FF2B5EF4-FFF2-40B4-BE49-F238E27FC236}">
+                <a16:creationId xmlns:a16="http://schemas.microsoft.com/office/drawing/2014/main" id="{77624ABE-C25F-37D7-1D59-80801EA6B2F3}"/>
+              </a:ext>
+            </a:extLst>
+          </p:cNvPr>
+          <p:cNvPicPr>
+            <a:picLocks noChangeAspect="1"/>
+          </p:cNvPicPr>
+          <p:nvPr/>
+        </p:nvPicPr>
+        <p:blipFill>
+          <a:blip r:embed="rId5"/>
+          <a:stretch>
+            <a:fillRect/>
+          </a:stretch>
+        </p:blipFill>
+        <p:spPr>
+          <a:xfrm>
+            <a:off x="7073189" y="2047481"/>
+            <a:ext cx="2544766" cy="3800907"/>
+          </a:xfrm>
+          <a:prstGeom prst="rect">
+            <a:avLst/>
+          </a:prstGeom>
+        </p:spPr>
+      </p:pic>
+      <p:pic>
+        <p:nvPicPr>
+          <p:cNvPr id="5" name="Imagen 4">
+            <a:extLst>
+              <a:ext uri="{FF2B5EF4-FFF2-40B4-BE49-F238E27FC236}">
+                <a16:creationId xmlns:a16="http://schemas.microsoft.com/office/drawing/2014/main" id="{107E65B4-3929-91D6-1F74-722A70448B63}"/>
+              </a:ext>
+            </a:extLst>
+          </p:cNvPr>
+          <p:cNvPicPr>
+            <a:picLocks noChangeAspect="1"/>
+          </p:cNvPicPr>
+          <p:nvPr/>
+        </p:nvPicPr>
+        <p:blipFill>
+          <a:blip r:embed="rId6"/>
+          <a:stretch>
+            <a:fillRect/>
+          </a:stretch>
+        </p:blipFill>
+        <p:spPr>
+          <a:xfrm>
+            <a:off x="3618510" y="348739"/>
+            <a:ext cx="4954980" cy="919622"/>
+          </a:xfrm>
+          <a:prstGeom prst="rect">
+            <a:avLst/>
+          </a:prstGeom>
+        </p:spPr>
+      </p:pic>
+    </p:spTree>
+    <p:extLst>
+      <p:ext uri="{BB962C8B-B14F-4D97-AF65-F5344CB8AC3E}">
+        <p14:creationId xmlns:p14="http://schemas.microsoft.com/office/powerpoint/2010/main" val="2888762127"/>
+      </p:ext>
+    </p:extLst>
+  </p:cSld>
+  <p:clrMapOvr>
+    <a:masterClrMapping/>
+  </p:clrMapOvr>
+</p:sld>
+</file>
+
+<file path=ppt/slides/slide10.xml><?xml version="1.0" encoding="utf-8"?>
+<p:sld xmlns:a="http://schemas.openxmlformats.org/drawingml/2006/main" xmlns:r="http://schemas.openxmlformats.org/officeDocument/2006/relationships" xmlns:p="http://schemas.openxmlformats.org/presentationml/2006/main">
+  <p:cSld>
+    <p:spTree>
+      <p:nvGrpSpPr>
+        <p:cNvPr id="1" name=""/>
+        <p:cNvGrpSpPr/>
+        <p:nvPr/>
+      </p:nvGrpSpPr>
+      <p:grpSpPr>
+        <a:xfrm>
+          <a:off x="0" y="0"/>
+          <a:ext cx="0" cy="0"/>
+          <a:chOff x="0" y="0"/>
+          <a:chExt cx="0" cy="0"/>
+        </a:xfrm>
+      </p:grpSpPr>
+      <p:sp>
+        <p:nvSpPr>
+          <p:cNvPr id="9" name="CuadroTexto 8">
+            <a:extLst>
+              <a:ext uri="{FF2B5EF4-FFF2-40B4-BE49-F238E27FC236}">
+                <a16:creationId xmlns:a16="http://schemas.microsoft.com/office/drawing/2014/main" id="{00243663-38C8-E705-C618-AE8338FD2971}"/>
+              </a:ext>
+            </a:extLst>
+          </p:cNvPr>
+          <p:cNvSpPr txBox="1"/>
+          <p:nvPr/>
+        </p:nvSpPr>
+        <p:spPr>
+          <a:xfrm>
+            <a:off x="3215065" y="3429000"/>
+            <a:ext cx="5504171" cy="646331"/>
+          </a:xfrm>
+          <a:prstGeom prst="rect">
+            <a:avLst/>
+          </a:prstGeom>
+          <a:noFill/>
+        </p:spPr>
+        <p:txBody>
+          <a:bodyPr wrap="square" rtlCol="0">
+            <a:spAutoFit/>
+          </a:bodyPr>
+          <a:lstStyle/>
+          <a:p>
+            <a:r>
+              <a:rPr lang="es-ES" dirty="0"/>
+              <a:t>La tabla </a:t>
+            </a:r>
+            <a:r>
+              <a:rPr lang="es-ES" i="1" dirty="0"/>
+              <a:t>asignado_a</a:t>
+            </a:r>
+            <a:r>
+              <a:rPr lang="es-ES" dirty="0"/>
+              <a:t> utiliza como fk el </a:t>
+            </a:r>
+            <a:r>
+              <a:rPr lang="es-ES" u="sng" dirty="0"/>
+              <a:t>id_proyecto</a:t>
+            </a:r>
+            <a:r>
+              <a:rPr lang="es-ES" dirty="0"/>
+              <a:t> de la tabla </a:t>
+            </a:r>
+            <a:r>
+              <a:rPr lang="es-ES" i="1" dirty="0"/>
+              <a:t>proyecto</a:t>
+            </a:r>
+            <a:r>
+              <a:rPr lang="es-ES" dirty="0"/>
+              <a:t> y </a:t>
+            </a:r>
+            <a:r>
+              <a:rPr lang="es-ES" u="sng" dirty="0"/>
+              <a:t>DNI</a:t>
+            </a:r>
+            <a:r>
+              <a:rPr lang="es-ES" dirty="0"/>
+              <a:t> de la tabla </a:t>
+            </a:r>
+            <a:r>
+              <a:rPr lang="es-ES" i="1" dirty="0"/>
+              <a:t>cientificos</a:t>
+            </a:r>
+            <a:r>
+              <a:rPr lang="es-ES" dirty="0"/>
+              <a:t>. </a:t>
+            </a:r>
+          </a:p>
+        </p:txBody>
+      </p:sp>
+      <p:pic>
+        <p:nvPicPr>
+          <p:cNvPr id="3" name="Imagen 2">
+            <a:extLst>
+              <a:ext uri="{FF2B5EF4-FFF2-40B4-BE49-F238E27FC236}">
+                <a16:creationId xmlns:a16="http://schemas.microsoft.com/office/drawing/2014/main" id="{C007446C-BC7C-B442-7101-CA88344EC7A0}"/>
               </a:ext>
             </a:extLst>
           </p:cNvPr>
@@ -3356,8 +3578,8 @@
         </p:blipFill>
         <p:spPr>
           <a:xfrm>
-            <a:off x="2221187" y="2047481"/>
-            <a:ext cx="3874813" cy="3800907"/>
+            <a:off x="776218" y="1022772"/>
+            <a:ext cx="10722712" cy="1828583"/>
           </a:xfrm>
           <a:prstGeom prst="rect">
             <a:avLst/>
@@ -3366,11 +3588,10 @@
       </p:pic>
       <p:pic>
         <p:nvPicPr>
-          <p:cNvPr id="3" name="Imagen 2">
-            <a:hlinkClick r:id="rId3"/>
-            <a:extLst>
-              <a:ext uri="{FF2B5EF4-FFF2-40B4-BE49-F238E27FC236}">
-                <a16:creationId xmlns:a16="http://schemas.microsoft.com/office/drawing/2014/main" id="{77624ABE-C25F-37D7-1D59-80801EA6B2F3}"/>
+          <p:cNvPr id="7" name="Imagen 6">
+            <a:extLst>
+              <a:ext uri="{FF2B5EF4-FFF2-40B4-BE49-F238E27FC236}">
+                <a16:creationId xmlns:a16="http://schemas.microsoft.com/office/drawing/2014/main" id="{187D7475-E469-2171-A4FE-E6D7FDB8C8DF}"/>
               </a:ext>
             </a:extLst>
           </p:cNvPr>
@@ -3380,27 +3601,57 @@
           <p:nvPr/>
         </p:nvPicPr>
         <p:blipFill>
-          <a:blip r:embed="rId4"/>
+          <a:blip r:embed="rId3"/>
           <a:stretch>
             <a:fillRect/>
           </a:stretch>
         </p:blipFill>
         <p:spPr>
           <a:xfrm>
-            <a:off x="7073189" y="2047481"/>
-            <a:ext cx="2544766" cy="3800907"/>
+            <a:off x="600569" y="389500"/>
+            <a:ext cx="3066863" cy="496370"/>
           </a:xfrm>
           <a:prstGeom prst="rect">
             <a:avLst/>
           </a:prstGeom>
         </p:spPr>
       </p:pic>
+    </p:spTree>
+    <p:extLst>
+      <p:ext uri="{BB962C8B-B14F-4D97-AF65-F5344CB8AC3E}">
+        <p14:creationId xmlns:p14="http://schemas.microsoft.com/office/powerpoint/2010/main" val="1974099319"/>
+      </p:ext>
+    </p:extLst>
+  </p:cSld>
+  <p:clrMapOvr>
+    <a:masterClrMapping/>
+  </p:clrMapOvr>
+</p:sld>
+</file>
+
+<file path=ppt/slides/slide11.xml><?xml version="1.0" encoding="utf-8"?>
+<p:sld xmlns:a="http://schemas.openxmlformats.org/drawingml/2006/main" xmlns:r="http://schemas.openxmlformats.org/officeDocument/2006/relationships" xmlns:p="http://schemas.openxmlformats.org/presentationml/2006/main">
+  <p:cSld>
+    <p:spTree>
+      <p:nvGrpSpPr>
+        <p:cNvPr id="1" name=""/>
+        <p:cNvGrpSpPr/>
+        <p:nvPr/>
+      </p:nvGrpSpPr>
+      <p:grpSpPr>
+        <a:xfrm>
+          <a:off x="0" y="0"/>
+          <a:ext cx="0" cy="0"/>
+          <a:chOff x="0" y="0"/>
+          <a:chExt cx="0" cy="0"/>
+        </a:xfrm>
+      </p:grpSpPr>
       <p:pic>
         <p:nvPicPr>
-          <p:cNvPr id="5" name="Imagen 4">
-            <a:extLst>
-              <a:ext uri="{FF2B5EF4-FFF2-40B4-BE49-F238E27FC236}">
-                <a16:creationId xmlns:a16="http://schemas.microsoft.com/office/drawing/2014/main" id="{107E65B4-3929-91D6-1F74-722A70448B63}"/>
+          <p:cNvPr id="10" name="Imagen 9">
+            <a:extLst>
+              <a:ext uri="{FF2B5EF4-FFF2-40B4-BE49-F238E27FC236}">
+                <a16:creationId xmlns:a16="http://schemas.microsoft.com/office/drawing/2014/main" id="{511C631F-9BF6-9E83-552D-B876935512CE}"/>
               </a:ext>
             </a:extLst>
           </p:cNvPr>
@@ -3410,15 +3661,325 @@
           <p:nvPr/>
         </p:nvPicPr>
         <p:blipFill>
-          <a:blip r:embed="rId5"/>
+          <a:blip r:embed="rId2"/>
           <a:stretch>
             <a:fillRect/>
           </a:stretch>
         </p:blipFill>
         <p:spPr>
           <a:xfrm>
-            <a:off x="3618510" y="348739"/>
-            <a:ext cx="4954980" cy="919622"/>
+            <a:off x="600569" y="389499"/>
+            <a:ext cx="4112781" cy="496369"/>
+          </a:xfrm>
+          <a:prstGeom prst="rect">
+            <a:avLst/>
+          </a:prstGeom>
+        </p:spPr>
+      </p:pic>
+      <p:pic>
+        <p:nvPicPr>
+          <p:cNvPr id="4" name="Imagen 3">
+            <a:extLst>
+              <a:ext uri="{FF2B5EF4-FFF2-40B4-BE49-F238E27FC236}">
+                <a16:creationId xmlns:a16="http://schemas.microsoft.com/office/drawing/2014/main" id="{61088610-C914-29D8-52D3-F90818DAB673}"/>
+              </a:ext>
+            </a:extLst>
+          </p:cNvPr>
+          <p:cNvPicPr>
+            <a:picLocks noChangeAspect="1"/>
+          </p:cNvPicPr>
+          <p:nvPr/>
+        </p:nvPicPr>
+        <p:blipFill rotWithShape="1">
+          <a:blip r:embed="rId3"/>
+          <a:srcRect l="2572" r="1272"/>
+          <a:stretch/>
+        </p:blipFill>
+        <p:spPr>
+          <a:xfrm>
+            <a:off x="294968" y="885870"/>
+            <a:ext cx="11897032" cy="2960582"/>
+          </a:xfrm>
+          <a:prstGeom prst="rect">
+            <a:avLst/>
+          </a:prstGeom>
+        </p:spPr>
+      </p:pic>
+      <p:sp>
+        <p:nvSpPr>
+          <p:cNvPr id="9" name="CuadroTexto 8">
+            <a:extLst>
+              <a:ext uri="{FF2B5EF4-FFF2-40B4-BE49-F238E27FC236}">
+                <a16:creationId xmlns:a16="http://schemas.microsoft.com/office/drawing/2014/main" id="{00243663-38C8-E705-C618-AE8338FD2971}"/>
+              </a:ext>
+            </a:extLst>
+          </p:cNvPr>
+          <p:cNvSpPr txBox="1"/>
+          <p:nvPr/>
+        </p:nvSpPr>
+        <p:spPr>
+          <a:xfrm>
+            <a:off x="1858214" y="3635476"/>
+            <a:ext cx="5504171" cy="923330"/>
+          </a:xfrm>
+          <a:prstGeom prst="rect">
+            <a:avLst/>
+          </a:prstGeom>
+          <a:noFill/>
+        </p:spPr>
+        <p:txBody>
+          <a:bodyPr wrap="square" rtlCol="0">
+            <a:spAutoFit/>
+          </a:bodyPr>
+          <a:lstStyle/>
+          <a:p>
+            <a:r>
+              <a:rPr lang="es-ES" dirty="0"/>
+              <a:t>La tabla </a:t>
+            </a:r>
+            <a:r>
+              <a:rPr lang="es-ES" i="1" dirty="0"/>
+              <a:t>venta </a:t>
+            </a:r>
+            <a:r>
+              <a:rPr lang="es-ES" dirty="0"/>
+              <a:t>utiliza como fk el </a:t>
+            </a:r>
+            <a:r>
+              <a:rPr lang="es-ES" u="sng" dirty="0"/>
+              <a:t>cod_prodcutos</a:t>
+            </a:r>
+            <a:r>
+              <a:rPr lang="es-ES" dirty="0"/>
+              <a:t> de la tabla </a:t>
+            </a:r>
+            <a:r>
+              <a:rPr lang="es-ES" i="1" dirty="0"/>
+              <a:t>productos, </a:t>
+            </a:r>
+            <a:r>
+              <a:rPr lang="es-ES" dirty="0"/>
+              <a:t>el </a:t>
+            </a:r>
+            <a:r>
+              <a:rPr lang="es-ES" u="sng" dirty="0"/>
+              <a:t>cod_maq</a:t>
+            </a:r>
+            <a:r>
+              <a:rPr lang="es-ES" dirty="0"/>
+              <a:t> de </a:t>
+            </a:r>
+            <a:r>
+              <a:rPr lang="es-ES" i="1" dirty="0"/>
+              <a:t>maq_registradoras</a:t>
+            </a:r>
+            <a:r>
+              <a:rPr lang="es-ES" dirty="0"/>
+              <a:t> y </a:t>
+            </a:r>
+            <a:r>
+              <a:rPr lang="es-ES" u="sng" dirty="0"/>
+              <a:t>cod_cajero</a:t>
+            </a:r>
+            <a:r>
+              <a:rPr lang="es-ES" dirty="0"/>
+              <a:t> de la tabla </a:t>
+            </a:r>
+            <a:r>
+              <a:rPr lang="es-ES" i="1" dirty="0"/>
+              <a:t>cajeros</a:t>
+            </a:r>
+            <a:r>
+              <a:rPr lang="es-ES" dirty="0"/>
+              <a:t>. </a:t>
+            </a:r>
+          </a:p>
+        </p:txBody>
+      </p:sp>
+    </p:spTree>
+    <p:extLst>
+      <p:ext uri="{BB962C8B-B14F-4D97-AF65-F5344CB8AC3E}">
+        <p14:creationId xmlns:p14="http://schemas.microsoft.com/office/powerpoint/2010/main" val="384129424"/>
+      </p:ext>
+    </p:extLst>
+  </p:cSld>
+  <p:clrMapOvr>
+    <a:masterClrMapping/>
+  </p:clrMapOvr>
+</p:sld>
+</file>
+
+<file path=ppt/slides/slide12.xml><?xml version="1.0" encoding="utf-8"?>
+<p:sld xmlns:a="http://schemas.openxmlformats.org/drawingml/2006/main" xmlns:r="http://schemas.openxmlformats.org/officeDocument/2006/relationships" xmlns:p="http://schemas.openxmlformats.org/presentationml/2006/main">
+  <p:cSld>
+    <p:spTree>
+      <p:nvGrpSpPr>
+        <p:cNvPr id="1" name=""/>
+        <p:cNvGrpSpPr/>
+        <p:nvPr/>
+      </p:nvGrpSpPr>
+      <p:grpSpPr>
+        <a:xfrm>
+          <a:off x="0" y="0"/>
+          <a:ext cx="0" cy="0"/>
+          <a:chOff x="0" y="0"/>
+          <a:chExt cx="0" cy="0"/>
+        </a:xfrm>
+      </p:grpSpPr>
+      <p:sp>
+        <p:nvSpPr>
+          <p:cNvPr id="9" name="CuadroTexto 8">
+            <a:extLst>
+              <a:ext uri="{FF2B5EF4-FFF2-40B4-BE49-F238E27FC236}">
+                <a16:creationId xmlns:a16="http://schemas.microsoft.com/office/drawing/2014/main" id="{00243663-38C8-E705-C618-AE8338FD2971}"/>
+              </a:ext>
+            </a:extLst>
+          </p:cNvPr>
+          <p:cNvSpPr txBox="1"/>
+          <p:nvPr/>
+        </p:nvSpPr>
+        <p:spPr>
+          <a:xfrm>
+            <a:off x="1726305" y="4610702"/>
+            <a:ext cx="8770374" cy="923330"/>
+          </a:xfrm>
+          <a:prstGeom prst="rect">
+            <a:avLst/>
+          </a:prstGeom>
+          <a:noFill/>
+        </p:spPr>
+        <p:txBody>
+          <a:bodyPr wrap="square" rtlCol="0">
+            <a:spAutoFit/>
+          </a:bodyPr>
+          <a:lstStyle/>
+          <a:p>
+            <a:r>
+              <a:rPr lang="es-ES" dirty="0"/>
+              <a:t>La tabla </a:t>
+            </a:r>
+            <a:r>
+              <a:rPr lang="es-ES" i="1" dirty="0"/>
+              <a:t>facultad </a:t>
+            </a:r>
+            <a:r>
+              <a:rPr lang="es-ES" dirty="0"/>
+              <a:t>cede como fk su </a:t>
+            </a:r>
+            <a:r>
+              <a:rPr lang="es-ES" u="sng" dirty="0"/>
+              <a:t>cod_facultad</a:t>
+            </a:r>
+            <a:r>
+              <a:rPr lang="es-ES" dirty="0"/>
+              <a:t> a las tablas </a:t>
+            </a:r>
+            <a:r>
+              <a:rPr lang="es-ES" i="1" dirty="0"/>
+              <a:t>investigadores</a:t>
+            </a:r>
+            <a:r>
+              <a:rPr lang="es-ES" dirty="0"/>
+              <a:t> y </a:t>
+            </a:r>
+            <a:r>
+              <a:rPr lang="es-ES" i="1" dirty="0"/>
+              <a:t>equipos</a:t>
+            </a:r>
+            <a:r>
+              <a:rPr lang="es-ES" dirty="0"/>
+              <a:t>.</a:t>
+            </a:r>
+          </a:p>
+          <a:p>
+            <a:endParaRPr lang="es-ES" dirty="0"/>
+          </a:p>
+          <a:p>
+            <a:r>
+              <a:rPr lang="es-ES" dirty="0"/>
+              <a:t>Éstas, ceden sus pk, </a:t>
+            </a:r>
+            <a:r>
+              <a:rPr lang="es-ES" u="sng" dirty="0"/>
+              <a:t>DNI</a:t>
+            </a:r>
+            <a:r>
+              <a:rPr lang="es-ES" dirty="0"/>
+              <a:t> y </a:t>
+            </a:r>
+            <a:r>
+              <a:rPr lang="es-ES" u="sng" dirty="0"/>
+              <a:t>num_serie</a:t>
+            </a:r>
+            <a:r>
+              <a:rPr lang="es-ES" dirty="0"/>
+              <a:t>, respectivamente, a la tabla </a:t>
+            </a:r>
+            <a:r>
+              <a:rPr lang="es-ES" i="1" dirty="0"/>
+              <a:t>reserva</a:t>
+            </a:r>
+            <a:r>
+              <a:rPr lang="es-ES" dirty="0"/>
+              <a:t>.</a:t>
+            </a:r>
+          </a:p>
+        </p:txBody>
+      </p:sp>
+      <p:pic>
+        <p:nvPicPr>
+          <p:cNvPr id="3" name="Imagen 2">
+            <a:extLst>
+              <a:ext uri="{FF2B5EF4-FFF2-40B4-BE49-F238E27FC236}">
+                <a16:creationId xmlns:a16="http://schemas.microsoft.com/office/drawing/2014/main" id="{26F91E06-D9C5-2170-7CC4-F9C0D79A54CB}"/>
+              </a:ext>
+            </a:extLst>
+          </p:cNvPr>
+          <p:cNvPicPr>
+            <a:picLocks noChangeAspect="1"/>
+          </p:cNvPicPr>
+          <p:nvPr/>
+        </p:nvPicPr>
+        <p:blipFill>
+          <a:blip r:embed="rId2"/>
+          <a:stretch>
+            <a:fillRect/>
+          </a:stretch>
+        </p:blipFill>
+        <p:spPr>
+          <a:xfrm>
+            <a:off x="410400" y="989671"/>
+            <a:ext cx="11402184" cy="3218535"/>
+          </a:xfrm>
+          <a:prstGeom prst="rect">
+            <a:avLst/>
+          </a:prstGeom>
+        </p:spPr>
+      </p:pic>
+      <p:pic>
+        <p:nvPicPr>
+          <p:cNvPr id="8" name="Imagen 7">
+            <a:extLst>
+              <a:ext uri="{FF2B5EF4-FFF2-40B4-BE49-F238E27FC236}">
+                <a16:creationId xmlns:a16="http://schemas.microsoft.com/office/drawing/2014/main" id="{8FED3DE1-722C-9BE3-4870-49CA0FAC9F39}"/>
+              </a:ext>
+            </a:extLst>
+          </p:cNvPr>
+          <p:cNvPicPr>
+            <a:picLocks noChangeAspect="1"/>
+          </p:cNvPicPr>
+          <p:nvPr/>
+        </p:nvPicPr>
+        <p:blipFill>
+          <a:blip r:embed="rId3"/>
+          <a:stretch>
+            <a:fillRect/>
+          </a:stretch>
+        </p:blipFill>
+        <p:spPr>
+          <a:xfrm>
+            <a:off x="600569" y="387040"/>
+            <a:ext cx="3190951" cy="496369"/>
           </a:xfrm>
           <a:prstGeom prst="rect">
             <a:avLst/>
@@ -3428,7 +3989,169 @@
     </p:spTree>
     <p:extLst>
       <p:ext uri="{BB962C8B-B14F-4D97-AF65-F5344CB8AC3E}">
-        <p14:creationId xmlns:p14="http://schemas.microsoft.com/office/powerpoint/2010/main" val="2888762127"/>
+        <p14:creationId xmlns:p14="http://schemas.microsoft.com/office/powerpoint/2010/main" val="605886847"/>
+      </p:ext>
+    </p:extLst>
+  </p:cSld>
+  <p:clrMapOvr>
+    <a:masterClrMapping/>
+  </p:clrMapOvr>
+</p:sld>
+</file>
+
+<file path=ppt/slides/slide13.xml><?xml version="1.0" encoding="utf-8"?>
+<p:sld xmlns:a="http://schemas.openxmlformats.org/drawingml/2006/main" xmlns:r="http://schemas.openxmlformats.org/officeDocument/2006/relationships" xmlns:p="http://schemas.openxmlformats.org/presentationml/2006/main">
+  <p:cSld>
+    <p:spTree>
+      <p:nvGrpSpPr>
+        <p:cNvPr id="1" name=""/>
+        <p:cNvGrpSpPr/>
+        <p:nvPr/>
+      </p:nvGrpSpPr>
+      <p:grpSpPr>
+        <a:xfrm>
+          <a:off x="0" y="0"/>
+          <a:ext cx="0" cy="0"/>
+          <a:chOff x="0" y="0"/>
+          <a:chExt cx="0" cy="0"/>
+        </a:xfrm>
+      </p:grpSpPr>
+      <p:pic>
+        <p:nvPicPr>
+          <p:cNvPr id="4" name="Imagen 3">
+            <a:extLst>
+              <a:ext uri="{FF2B5EF4-FFF2-40B4-BE49-F238E27FC236}">
+                <a16:creationId xmlns:a16="http://schemas.microsoft.com/office/drawing/2014/main" id="{B6276FCC-215B-FF58-E9C7-B54002FAB63D}"/>
+              </a:ext>
+            </a:extLst>
+          </p:cNvPr>
+          <p:cNvPicPr>
+            <a:picLocks noChangeAspect="1"/>
+          </p:cNvPicPr>
+          <p:nvPr/>
+        </p:nvPicPr>
+        <p:blipFill>
+          <a:blip r:embed="rId2"/>
+          <a:stretch>
+            <a:fillRect/>
+          </a:stretch>
+        </p:blipFill>
+        <p:spPr>
+          <a:xfrm>
+            <a:off x="1044726" y="391363"/>
+            <a:ext cx="9470083" cy="4896630"/>
+          </a:xfrm>
+          <a:prstGeom prst="rect">
+            <a:avLst/>
+          </a:prstGeom>
+        </p:spPr>
+      </p:pic>
+      <p:sp>
+        <p:nvSpPr>
+          <p:cNvPr id="9" name="CuadroTexto 8">
+            <a:extLst>
+              <a:ext uri="{FF2B5EF4-FFF2-40B4-BE49-F238E27FC236}">
+                <a16:creationId xmlns:a16="http://schemas.microsoft.com/office/drawing/2014/main" id="{00243663-38C8-E705-C618-AE8338FD2971}"/>
+              </a:ext>
+            </a:extLst>
+          </p:cNvPr>
+          <p:cNvSpPr txBox="1"/>
+          <p:nvPr/>
+        </p:nvSpPr>
+        <p:spPr>
+          <a:xfrm>
+            <a:off x="5069273" y="4377947"/>
+            <a:ext cx="6591785" cy="646331"/>
+          </a:xfrm>
+          <a:prstGeom prst="rect">
+            <a:avLst/>
+          </a:prstGeom>
+          <a:noFill/>
+        </p:spPr>
+        <p:txBody>
+          <a:bodyPr wrap="square" rtlCol="0">
+            <a:spAutoFit/>
+          </a:bodyPr>
+          <a:lstStyle/>
+          <a:p>
+            <a:r>
+              <a:rPr lang="es-ES" dirty="0"/>
+              <a:t>La tabla </a:t>
+            </a:r>
+            <a:r>
+              <a:rPr lang="es-ES" i="1" dirty="0"/>
+              <a:t>cursos </a:t>
+            </a:r>
+            <a:r>
+              <a:rPr lang="es-ES" dirty="0"/>
+              <a:t>toma como fk  </a:t>
+            </a:r>
+            <a:r>
+              <a:rPr lang="es-ES" u="sng" dirty="0"/>
+              <a:t>cod_curso</a:t>
+            </a:r>
+            <a:r>
+              <a:rPr lang="es-ES" dirty="0"/>
+              <a:t> de la tabla </a:t>
+            </a:r>
+            <a:r>
+              <a:rPr lang="es-ES" i="1" dirty="0"/>
+              <a:t>alumnos</a:t>
+            </a:r>
+            <a:r>
+              <a:rPr lang="es-ES" dirty="0"/>
+              <a:t> y </a:t>
+            </a:r>
+            <a:r>
+              <a:rPr lang="es-ES" u="sng" dirty="0"/>
+              <a:t>DNI_profesor</a:t>
+            </a:r>
+            <a:r>
+              <a:rPr lang="es-ES" dirty="0"/>
+              <a:t> de la tabla </a:t>
+            </a:r>
+            <a:r>
+              <a:rPr lang="es-ES" i="1" dirty="0"/>
+              <a:t>profesores.</a:t>
+            </a:r>
+            <a:endParaRPr lang="es-ES" dirty="0"/>
+          </a:p>
+        </p:txBody>
+      </p:sp>
+      <p:pic>
+        <p:nvPicPr>
+          <p:cNvPr id="6" name="Imagen 5">
+            <a:extLst>
+              <a:ext uri="{FF2B5EF4-FFF2-40B4-BE49-F238E27FC236}">
+                <a16:creationId xmlns:a16="http://schemas.microsoft.com/office/drawing/2014/main" id="{4BCA4512-B7F4-B830-D553-9418C80015EC}"/>
+              </a:ext>
+            </a:extLst>
+          </p:cNvPr>
+          <p:cNvPicPr>
+            <a:picLocks noChangeAspect="1"/>
+          </p:cNvPicPr>
+          <p:nvPr/>
+        </p:nvPicPr>
+        <p:blipFill>
+          <a:blip r:embed="rId3"/>
+          <a:stretch>
+            <a:fillRect/>
+          </a:stretch>
+        </p:blipFill>
+        <p:spPr>
+          <a:xfrm>
+            <a:off x="600569" y="391363"/>
+            <a:ext cx="2322313" cy="567282"/>
+          </a:xfrm>
+          <a:prstGeom prst="rect">
+            <a:avLst/>
+          </a:prstGeom>
+        </p:spPr>
+      </p:pic>
+    </p:spTree>
+    <p:extLst>
+      <p:ext uri="{BB962C8B-B14F-4D97-AF65-F5344CB8AC3E}">
+        <p14:creationId xmlns:p14="http://schemas.microsoft.com/office/powerpoint/2010/main" val="842839126"/>
       </p:ext>
     </p:extLst>
   </p:cSld>
@@ -3455,6 +4178,125 @@
           <a:chExt cx="0" cy="0"/>
         </a:xfrm>
       </p:grpSpPr>
+      <p:pic>
+        <p:nvPicPr>
+          <p:cNvPr id="3" name="Imagen 2">
+            <a:extLst>
+              <a:ext uri="{FF2B5EF4-FFF2-40B4-BE49-F238E27FC236}">
+                <a16:creationId xmlns:a16="http://schemas.microsoft.com/office/drawing/2014/main" id="{467F0FA2-4D11-319E-92C3-9A6B0E11C57D}"/>
+              </a:ext>
+            </a:extLst>
+          </p:cNvPr>
+          <p:cNvPicPr>
+            <a:picLocks noChangeAspect="1"/>
+          </p:cNvPicPr>
+          <p:nvPr/>
+        </p:nvPicPr>
+        <p:blipFill>
+          <a:blip r:embed="rId2"/>
+          <a:stretch>
+            <a:fillRect/>
+          </a:stretch>
+        </p:blipFill>
+        <p:spPr>
+          <a:xfrm>
+            <a:off x="434512" y="1440327"/>
+            <a:ext cx="5646092" cy="2856370"/>
+          </a:xfrm>
+          <a:prstGeom prst="rect">
+            <a:avLst/>
+          </a:prstGeom>
+        </p:spPr>
+      </p:pic>
+      <p:sp>
+        <p:nvSpPr>
+          <p:cNvPr id="7" name="CuadroTexto 6">
+            <a:extLst>
+              <a:ext uri="{FF2B5EF4-FFF2-40B4-BE49-F238E27FC236}">
+                <a16:creationId xmlns:a16="http://schemas.microsoft.com/office/drawing/2014/main" id="{A3376C00-1167-C248-7ABA-701642F2F228}"/>
+              </a:ext>
+            </a:extLst>
+          </p:cNvPr>
+          <p:cNvSpPr txBox="1"/>
+          <p:nvPr/>
+        </p:nvSpPr>
+        <p:spPr>
+          <a:xfrm>
+            <a:off x="4033118" y="3892853"/>
+            <a:ext cx="5859938" cy="369332"/>
+          </a:xfrm>
+          <a:prstGeom prst="rect">
+            <a:avLst/>
+          </a:prstGeom>
+          <a:noFill/>
+        </p:spPr>
+        <p:txBody>
+          <a:bodyPr wrap="none" rtlCol="0">
+            <a:spAutoFit/>
+          </a:bodyPr>
+          <a:lstStyle/>
+          <a:p>
+            <a:r>
+              <a:rPr lang="es-ES" dirty="0"/>
+              <a:t>La tabla </a:t>
+            </a:r>
+            <a:r>
+              <a:rPr lang="es-ES" i="1" dirty="0"/>
+              <a:t>muestra</a:t>
+            </a:r>
+            <a:r>
+              <a:rPr lang="es-ES" dirty="0"/>
+              <a:t> utiliza como fk el </a:t>
+            </a:r>
+            <a:r>
+              <a:rPr lang="es-ES" u="sng" dirty="0"/>
+              <a:t>id</a:t>
+            </a:r>
+            <a:r>
+              <a:rPr lang="es-ES" dirty="0"/>
+              <a:t> de la tabla </a:t>
+            </a:r>
+            <a:r>
+              <a:rPr lang="es-ES" i="1" dirty="0"/>
+              <a:t>estación</a:t>
+            </a:r>
+            <a:r>
+              <a:rPr lang="es-ES" dirty="0"/>
+              <a:t>.</a:t>
+            </a:r>
+          </a:p>
+        </p:txBody>
+      </p:sp>
+      <p:pic>
+        <p:nvPicPr>
+          <p:cNvPr id="9" name="Imagen 8">
+            <a:extLst>
+              <a:ext uri="{FF2B5EF4-FFF2-40B4-BE49-F238E27FC236}">
+                <a16:creationId xmlns:a16="http://schemas.microsoft.com/office/drawing/2014/main" id="{D934BC4B-4D14-382B-07FD-623119E6D5A9}"/>
+              </a:ext>
+            </a:extLst>
+          </p:cNvPr>
+          <p:cNvPicPr>
+            <a:picLocks noChangeAspect="1"/>
+          </p:cNvPicPr>
+          <p:nvPr/>
+        </p:nvPicPr>
+        <p:blipFill>
+          <a:blip r:embed="rId3"/>
+          <a:stretch>
+            <a:fillRect/>
+          </a:stretch>
+        </p:blipFill>
+        <p:spPr>
+          <a:xfrm>
+            <a:off x="434512" y="206098"/>
+            <a:ext cx="2043671" cy="624456"/>
+          </a:xfrm>
+          <a:prstGeom prst="rect">
+            <a:avLst/>
+          </a:prstGeom>
+        </p:spPr>
+      </p:pic>
     </p:spTree>
     <p:extLst>
       <p:ext uri="{BB962C8B-B14F-4D97-AF65-F5344CB8AC3E}">
@@ -3490,7 +4332,7 @@
           <p:cNvPr id="4" name="Imagen 3">
             <a:extLst>
               <a:ext uri="{FF2B5EF4-FFF2-40B4-BE49-F238E27FC236}">
-                <a16:creationId xmlns:a16="http://schemas.microsoft.com/office/drawing/2014/main" id="{E65BD06D-0D42-EEBC-7B6F-38FDDFE3092C}"/>
+                <a16:creationId xmlns:a16="http://schemas.microsoft.com/office/drawing/2014/main" id="{ED9B685B-3A13-BBA5-B06F-B3897F1C29F2}"/>
               </a:ext>
             </a:extLst>
           </p:cNvPr>
@@ -3507,25 +4349,20 @@
         </p:blipFill>
         <p:spPr>
           <a:xfrm>
-            <a:off x="216418" y="254620"/>
-            <a:ext cx="5997460" cy="3635055"/>
+            <a:off x="409559" y="1115108"/>
+            <a:ext cx="9675042" cy="5515600"/>
           </a:xfrm>
           <a:prstGeom prst="rect">
             <a:avLst/>
           </a:prstGeom>
-          <a:ln>
-            <a:solidFill>
-              <a:schemeClr val="tx1"/>
-            </a:solidFill>
-          </a:ln>
         </p:spPr>
       </p:pic>
       <p:sp>
         <p:nvSpPr>
-          <p:cNvPr id="5" name="CuadroTexto 4">
-            <a:extLst>
-              <a:ext uri="{FF2B5EF4-FFF2-40B4-BE49-F238E27FC236}">
-                <a16:creationId xmlns:a16="http://schemas.microsoft.com/office/drawing/2014/main" id="{F4512FEC-F3A2-2CD3-2304-9BD798AA9278}"/>
+          <p:cNvPr id="7" name="CuadroTexto 6">
+            <a:extLst>
+              <a:ext uri="{FF2B5EF4-FFF2-40B4-BE49-F238E27FC236}">
+                <a16:creationId xmlns:a16="http://schemas.microsoft.com/office/drawing/2014/main" id="{A3376C00-1167-C248-7ABA-701642F2F228}"/>
               </a:ext>
             </a:extLst>
           </p:cNvPr>
@@ -3534,8 +4371,8 @@
         </p:nvSpPr>
         <p:spPr>
           <a:xfrm>
-            <a:off x="6410633" y="730566"/>
-            <a:ext cx="4770858" cy="1200329"/>
+            <a:off x="3669326" y="1537896"/>
+            <a:ext cx="3846594" cy="1200329"/>
           </a:xfrm>
           <a:prstGeom prst="rect">
             <a:avLst/>
@@ -3543,86 +4380,94 @@
           <a:noFill/>
         </p:spPr>
         <p:txBody>
-          <a:bodyPr wrap="none" rtlCol="0">
+          <a:bodyPr wrap="square" rtlCol="0">
             <a:spAutoFit/>
           </a:bodyPr>
           <a:lstStyle/>
           <a:p>
             <a:r>
               <a:rPr lang="es-ES" dirty="0"/>
-              <a:t>Elemento </a:t>
+              <a:t>La tabla </a:t>
+            </a:r>
+            <a:r>
+              <a:rPr lang="es-ES" i="1" dirty="0"/>
+              <a:t>ejemplar</a:t>
+            </a:r>
+            <a:r>
+              <a:rPr lang="es-ES" dirty="0"/>
+              <a:t> utiliza como fk la </a:t>
             </a:r>
             <a:r>
               <a:rPr lang="es-ES" u="sng" dirty="0"/>
-              <a:t>(#elem</a:t>
-            </a:r>
-            <a:r>
-              <a:rPr lang="es-ES" dirty="0"/>
-              <a:t>, pm, simb, #at)</a:t>
-            </a:r>
-          </a:p>
-          <a:p>
-            <a:r>
-              <a:rPr lang="es-ES" dirty="0"/>
-              <a:t>Estado_l </a:t>
-            </a:r>
-            <a:r>
-              <a:rPr lang="es-ES" u="sng" dirty="0"/>
-              <a:t>(</a:t>
-            </a:r>
-            <a:r>
-              <a:rPr lang="es-ES" u="sng" dirty="0" err="1"/>
-              <a:t>nom_compuesto</a:t>
-            </a:r>
-            <a:r>
-              <a:rPr lang="es-ES" dirty="0"/>
-              <a:t>, d, T_ev)</a:t>
-            </a:r>
-          </a:p>
-          <a:p>
-            <a:r>
-              <a:rPr lang="es-ES" dirty="0"/>
-              <a:t>Estado_g </a:t>
-            </a:r>
-            <a:r>
-              <a:rPr lang="es-ES" u="sng" dirty="0"/>
-              <a:t>(</a:t>
-            </a:r>
-            <a:r>
-              <a:rPr lang="es-ES" u="sng" dirty="0" err="1"/>
-              <a:t>nom_compuesto</a:t>
-            </a:r>
-            <a:r>
-              <a:rPr lang="es-ES" dirty="0"/>
-              <a:t>, Coef_ex, T_lic)</a:t>
-            </a:r>
-          </a:p>
-          <a:p>
-            <a:r>
-              <a:rPr lang="es-ES" dirty="0"/>
-              <a:t>Estado_s </a:t>
-            </a:r>
-            <a:r>
-              <a:rPr lang="es-ES" u="sng" dirty="0"/>
-              <a:t>(</a:t>
-            </a:r>
-            <a:r>
-              <a:rPr lang="es-ES" u="sng" dirty="0" err="1"/>
-              <a:t>nom_compuesto</a:t>
-            </a:r>
-            <a:r>
-              <a:rPr lang="es-ES" dirty="0"/>
-              <a:t>, color, olor, dureza</a:t>
-            </a:r>
-          </a:p>
-        </p:txBody>
-      </p:sp>
-      <p:sp>
-        <p:nvSpPr>
-          <p:cNvPr id="6" name="CuadroTexto 5">
-            <a:extLst>
-              <a:ext uri="{FF2B5EF4-FFF2-40B4-BE49-F238E27FC236}">
-                <a16:creationId xmlns:a16="http://schemas.microsoft.com/office/drawing/2014/main" id="{9E2D9CA4-EE8A-E80D-BA1F-680F99EFFAA5}"/>
+              <a:t>clave_libro</a:t>
+            </a:r>
+            <a:r>
+              <a:rPr lang="es-ES" dirty="0"/>
+              <a:t> de la tabla </a:t>
+            </a:r>
+            <a:r>
+              <a:rPr lang="es-ES" i="1" dirty="0"/>
+              <a:t>libro</a:t>
+            </a:r>
+            <a:r>
+              <a:rPr lang="es-ES" dirty="0"/>
+              <a:t>. Ésta también es usada en las tablas </a:t>
+            </a:r>
+            <a:r>
+              <a:rPr lang="es-ES" i="1" dirty="0"/>
+              <a:t>escrito_por</a:t>
+            </a:r>
+            <a:r>
+              <a:rPr lang="es-ES" dirty="0"/>
+              <a:t> y </a:t>
+            </a:r>
+            <a:r>
+              <a:rPr lang="es-ES" i="1" dirty="0"/>
+              <a:t>trata_sobre</a:t>
+            </a:r>
+            <a:r>
+              <a:rPr lang="es-ES" dirty="0"/>
+              <a:t>.</a:t>
+            </a:r>
+          </a:p>
+        </p:txBody>
+      </p:sp>
+      <p:pic>
+        <p:nvPicPr>
+          <p:cNvPr id="10" name="Imagen 9">
+            <a:extLst>
+              <a:ext uri="{FF2B5EF4-FFF2-40B4-BE49-F238E27FC236}">
+                <a16:creationId xmlns:a16="http://schemas.microsoft.com/office/drawing/2014/main" id="{8B15B13D-8E27-99F3-5781-D35112DBA5D1}"/>
+              </a:ext>
+            </a:extLst>
+          </p:cNvPr>
+          <p:cNvPicPr>
+            <a:picLocks noChangeAspect="1"/>
+          </p:cNvPicPr>
+          <p:nvPr/>
+        </p:nvPicPr>
+        <p:blipFill>
+          <a:blip r:embed="rId3"/>
+          <a:stretch>
+            <a:fillRect/>
+          </a:stretch>
+        </p:blipFill>
+        <p:spPr>
+          <a:xfrm>
+            <a:off x="487883" y="227292"/>
+            <a:ext cx="2338694" cy="593669"/>
+          </a:xfrm>
+          <a:prstGeom prst="rect">
+            <a:avLst/>
+          </a:prstGeom>
+        </p:spPr>
+      </p:pic>
+      <p:sp>
+        <p:nvSpPr>
+          <p:cNvPr id="12" name="CuadroTexto 11">
+            <a:extLst>
+              <a:ext uri="{FF2B5EF4-FFF2-40B4-BE49-F238E27FC236}">
+                <a16:creationId xmlns:a16="http://schemas.microsoft.com/office/drawing/2014/main" id="{B4361A9A-8401-F8EE-CE43-234E4C6126AF}"/>
               </a:ext>
             </a:extLst>
           </p:cNvPr>
@@ -3631,8 +4476,8 @@
         </p:nvSpPr>
         <p:spPr>
           <a:xfrm>
-            <a:off x="6410633" y="2878082"/>
-            <a:ext cx="5605381" cy="369332"/>
+            <a:off x="8161304" y="4915276"/>
+            <a:ext cx="3846594" cy="923330"/>
           </a:xfrm>
           <a:prstGeom prst="rect">
             <a:avLst/>
@@ -3640,137 +4485,43 @@
           <a:noFill/>
         </p:spPr>
         <p:txBody>
-          <a:bodyPr wrap="none" rtlCol="0">
+          <a:bodyPr wrap="square" rtlCol="0">
             <a:spAutoFit/>
           </a:bodyPr>
           <a:lstStyle/>
           <a:p>
             <a:r>
               <a:rPr lang="es-ES" dirty="0"/>
-              <a:t>Compuesto_por (</a:t>
+              <a:t>A su vez, la tabla </a:t>
+            </a:r>
+            <a:r>
+              <a:rPr lang="es-ES" i="1" dirty="0"/>
+              <a:t>prestamo</a:t>
+            </a:r>
+            <a:r>
+              <a:rPr lang="es-ES" dirty="0"/>
+              <a:t> utiliza como fk la </a:t>
             </a:r>
             <a:r>
               <a:rPr lang="es-ES" u="sng" dirty="0"/>
-              <a:t>#elem</a:t>
-            </a:r>
-            <a:r>
-              <a:rPr lang="es-ES" dirty="0"/>
-              <a:t>, </a:t>
-            </a:r>
-            <a:r>
-              <a:rPr lang="es-ES" u="sng" dirty="0" err="1"/>
-              <a:t>nom_compuesto</a:t>
-            </a:r>
-            <a:r>
-              <a:rPr lang="es-ES" dirty="0"/>
-              <a:t>, proporción)</a:t>
-            </a:r>
-          </a:p>
-        </p:txBody>
-      </p:sp>
-      <p:sp>
-        <p:nvSpPr>
-          <p:cNvPr id="7" name="Rectángulo 6">
-            <a:extLst>
-              <a:ext uri="{FF2B5EF4-FFF2-40B4-BE49-F238E27FC236}">
-                <a16:creationId xmlns:a16="http://schemas.microsoft.com/office/drawing/2014/main" id="{C84F00B1-6D18-B3B7-E3C2-85C0F56B86EC}"/>
-              </a:ext>
-            </a:extLst>
-          </p:cNvPr>
-          <p:cNvSpPr/>
-          <p:nvPr/>
-        </p:nvSpPr>
-        <p:spPr>
-          <a:xfrm>
-            <a:off x="6489291" y="254620"/>
-            <a:ext cx="1268361" cy="369332"/>
-          </a:xfrm>
-          <a:prstGeom prst="rect">
-            <a:avLst/>
-          </a:prstGeom>
-        </p:spPr>
-        <p:style>
-          <a:lnRef idx="2">
-            <a:schemeClr val="accent1">
-              <a:shade val="15000"/>
-            </a:schemeClr>
-          </a:lnRef>
-          <a:fillRef idx="1">
-            <a:schemeClr val="accent1"/>
-          </a:fillRef>
-          <a:effectRef idx="0">
-            <a:schemeClr val="accent1"/>
-          </a:effectRef>
-          <a:fontRef idx="minor">
-            <a:schemeClr val="lt1"/>
-          </a:fontRef>
-        </p:style>
-        <p:txBody>
-          <a:bodyPr rtlCol="0" anchor="ctr"/>
-          <a:lstStyle/>
-          <a:p>
-            <a:pPr algn="ctr"/>
-            <a:r>
-              <a:rPr lang="es-ES" sz="1400" dirty="0"/>
-              <a:t>ENTIDADES</a:t>
+              <a:t>clave_ejemplar</a:t>
+            </a:r>
+            <a:r>
+              <a:rPr lang="es-ES" dirty="0"/>
+              <a:t> de la tabla </a:t>
+            </a:r>
+            <a:r>
+              <a:rPr lang="es-ES" i="1" dirty="0"/>
+              <a:t>ejemplar, etc.</a:t>
             </a:r>
             <a:endParaRPr lang="es-ES" dirty="0"/>
-          </a:p>
-        </p:txBody>
-      </p:sp>
-      <p:sp>
-        <p:nvSpPr>
-          <p:cNvPr id="8" name="Rombo 7">
-            <a:extLst>
-              <a:ext uri="{FF2B5EF4-FFF2-40B4-BE49-F238E27FC236}">
-                <a16:creationId xmlns:a16="http://schemas.microsoft.com/office/drawing/2014/main" id="{C4E8BDC6-1909-AEE2-490B-D7BC1AE03CCE}"/>
-              </a:ext>
-            </a:extLst>
-          </p:cNvPr>
-          <p:cNvSpPr/>
-          <p:nvPr/>
-        </p:nvSpPr>
-        <p:spPr>
-          <a:xfrm>
-            <a:off x="6410633" y="2143743"/>
-            <a:ext cx="2015613" cy="599767"/>
-          </a:xfrm>
-          <a:prstGeom prst="diamond">
-            <a:avLst/>
-          </a:prstGeom>
-        </p:spPr>
-        <p:style>
-          <a:lnRef idx="2">
-            <a:schemeClr val="accent1">
-              <a:shade val="15000"/>
-            </a:schemeClr>
-          </a:lnRef>
-          <a:fillRef idx="1">
-            <a:schemeClr val="accent1"/>
-          </a:fillRef>
-          <a:effectRef idx="0">
-            <a:schemeClr val="accent1"/>
-          </a:effectRef>
-          <a:fontRef idx="minor">
-            <a:schemeClr val="lt1"/>
-          </a:fontRef>
-        </p:style>
-        <p:txBody>
-          <a:bodyPr rtlCol="0" anchor="ctr"/>
-          <a:lstStyle/>
-          <a:p>
-            <a:pPr algn="ctr"/>
-            <a:r>
-              <a:rPr lang="es-ES" sz="1100" dirty="0"/>
-              <a:t>RELACIONES</a:t>
-            </a:r>
           </a:p>
         </p:txBody>
       </p:sp>
     </p:spTree>
     <p:extLst>
       <p:ext uri="{BB962C8B-B14F-4D97-AF65-F5344CB8AC3E}">
-        <p14:creationId xmlns:p14="http://schemas.microsoft.com/office/powerpoint/2010/main" val="4220829750"/>
+        <p14:creationId xmlns:p14="http://schemas.microsoft.com/office/powerpoint/2010/main" val="1296963161"/>
       </p:ext>
     </p:extLst>
   </p:cSld>
@@ -3797,277 +4548,12 @@
           <a:chExt cx="0" cy="0"/>
         </a:xfrm>
       </p:grpSpPr>
-      <p:sp>
-        <p:nvSpPr>
-          <p:cNvPr id="5" name="CuadroTexto 4">
-            <a:extLst>
-              <a:ext uri="{FF2B5EF4-FFF2-40B4-BE49-F238E27FC236}">
-                <a16:creationId xmlns:a16="http://schemas.microsoft.com/office/drawing/2014/main" id="{F4512FEC-F3A2-2CD3-2304-9BD798AA9278}"/>
-              </a:ext>
-            </a:extLst>
-          </p:cNvPr>
-          <p:cNvSpPr txBox="1"/>
-          <p:nvPr/>
-        </p:nvSpPr>
-        <p:spPr>
-          <a:xfrm>
-            <a:off x="6410633" y="730566"/>
-            <a:ext cx="4659865" cy="1200329"/>
-          </a:xfrm>
-          <a:prstGeom prst="rect">
-            <a:avLst/>
-          </a:prstGeom>
-          <a:noFill/>
-        </p:spPr>
-        <p:txBody>
-          <a:bodyPr wrap="none" rtlCol="0">
-            <a:spAutoFit/>
-          </a:bodyPr>
-          <a:lstStyle/>
-          <a:p>
-            <a:r>
-              <a:rPr lang="es-ES" dirty="0"/>
-              <a:t>Sucursal (</a:t>
-            </a:r>
-            <a:r>
-              <a:rPr lang="es-ES" u="sng" dirty="0"/>
-              <a:t>#sucursal</a:t>
-            </a:r>
-            <a:r>
-              <a:rPr lang="es-ES" dirty="0"/>
-              <a:t>, ciudad, activo)</a:t>
-            </a:r>
-          </a:p>
-          <a:p>
-            <a:r>
-              <a:rPr lang="es-ES" dirty="0"/>
-              <a:t>Cliente (</a:t>
-            </a:r>
-            <a:r>
-              <a:rPr lang="es-ES" u="sng" dirty="0"/>
-              <a:t>DNI</a:t>
-            </a:r>
-            <a:r>
-              <a:rPr lang="es-ES" dirty="0"/>
-              <a:t>, nombre, apellidos, …)</a:t>
-            </a:r>
-          </a:p>
-          <a:p>
-            <a:r>
-              <a:rPr lang="es-ES" dirty="0"/>
-              <a:t>Cuenta (</a:t>
-            </a:r>
-            <a:r>
-              <a:rPr lang="es-ES" u="sng" dirty="0"/>
-              <a:t>#cuenta</a:t>
-            </a:r>
-            <a:r>
-              <a:rPr lang="es-ES" dirty="0"/>
-              <a:t>, saldo)</a:t>
-            </a:r>
-          </a:p>
-          <a:p>
-            <a:r>
-              <a:rPr lang="es-ES" dirty="0"/>
-              <a:t>Transacción </a:t>
-            </a:r>
-            <a:r>
-              <a:rPr lang="es-ES" u="sng" dirty="0"/>
-              <a:t>(#transacción</a:t>
-            </a:r>
-            <a:r>
-              <a:rPr lang="es-ES" dirty="0"/>
-              <a:t>, fecha, tipo_op,…)</a:t>
-            </a:r>
-          </a:p>
-        </p:txBody>
-      </p:sp>
-      <p:sp>
-        <p:nvSpPr>
-          <p:cNvPr id="6" name="CuadroTexto 5">
-            <a:extLst>
-              <a:ext uri="{FF2B5EF4-FFF2-40B4-BE49-F238E27FC236}">
-                <a16:creationId xmlns:a16="http://schemas.microsoft.com/office/drawing/2014/main" id="{9E2D9CA4-EE8A-E80D-BA1F-680F99EFFAA5}"/>
-              </a:ext>
-            </a:extLst>
-          </p:cNvPr>
-          <p:cNvSpPr txBox="1"/>
-          <p:nvPr/>
-        </p:nvSpPr>
-        <p:spPr>
-          <a:xfrm>
-            <a:off x="6410633" y="2878082"/>
-            <a:ext cx="3651897" cy="646331"/>
-          </a:xfrm>
-          <a:prstGeom prst="rect">
-            <a:avLst/>
-          </a:prstGeom>
-          <a:noFill/>
-        </p:spPr>
-        <p:txBody>
-          <a:bodyPr wrap="none" rtlCol="0">
-            <a:spAutoFit/>
-          </a:bodyPr>
-          <a:lstStyle/>
-          <a:p>
-            <a:r>
-              <a:rPr lang="es-ES" dirty="0"/>
-              <a:t>Abrir (</a:t>
-            </a:r>
-            <a:r>
-              <a:rPr lang="es-ES" u="sng" dirty="0"/>
-              <a:t>#cuenta</a:t>
-            </a:r>
-            <a:r>
-              <a:rPr lang="es-ES" dirty="0"/>
-              <a:t>, </a:t>
-            </a:r>
-            <a:r>
-              <a:rPr lang="es-ES" u="sng" dirty="0"/>
-              <a:t>#cliente</a:t>
-            </a:r>
-            <a:r>
-              <a:rPr lang="es-ES" dirty="0"/>
-              <a:t>, </a:t>
-            </a:r>
-            <a:r>
-              <a:rPr lang="es-ES" u="sng" dirty="0"/>
-              <a:t>#sucursal</a:t>
-            </a:r>
-            <a:r>
-              <a:rPr lang="es-ES" dirty="0"/>
-              <a:t>)</a:t>
-            </a:r>
-          </a:p>
-          <a:p>
-            <a:r>
-              <a:rPr lang="es-ES" dirty="0"/>
-              <a:t>Realizar </a:t>
-            </a:r>
-            <a:r>
-              <a:rPr lang="es-ES" u="sng" dirty="0"/>
-              <a:t>(#transacción</a:t>
-            </a:r>
-            <a:r>
-              <a:rPr lang="es-ES" dirty="0"/>
-              <a:t>,</a:t>
-            </a:r>
-            <a:r>
-              <a:rPr lang="es-ES" u="sng" dirty="0"/>
-              <a:t> #cuenta</a:t>
-            </a:r>
-            <a:r>
-              <a:rPr lang="es-ES" dirty="0"/>
-              <a:t>)</a:t>
-            </a:r>
-          </a:p>
-        </p:txBody>
-      </p:sp>
-      <p:sp>
-        <p:nvSpPr>
-          <p:cNvPr id="7" name="Rectángulo 6">
-            <a:extLst>
-              <a:ext uri="{FF2B5EF4-FFF2-40B4-BE49-F238E27FC236}">
-                <a16:creationId xmlns:a16="http://schemas.microsoft.com/office/drawing/2014/main" id="{C84F00B1-6D18-B3B7-E3C2-85C0F56B86EC}"/>
-              </a:ext>
-            </a:extLst>
-          </p:cNvPr>
-          <p:cNvSpPr/>
-          <p:nvPr/>
-        </p:nvSpPr>
-        <p:spPr>
-          <a:xfrm>
-            <a:off x="6489291" y="254620"/>
-            <a:ext cx="1268361" cy="369332"/>
-          </a:xfrm>
-          <a:prstGeom prst="rect">
-            <a:avLst/>
-          </a:prstGeom>
-        </p:spPr>
-        <p:style>
-          <a:lnRef idx="2">
-            <a:schemeClr val="accent1">
-              <a:shade val="15000"/>
-            </a:schemeClr>
-          </a:lnRef>
-          <a:fillRef idx="1">
-            <a:schemeClr val="accent1"/>
-          </a:fillRef>
-          <a:effectRef idx="0">
-            <a:schemeClr val="accent1"/>
-          </a:effectRef>
-          <a:fontRef idx="minor">
-            <a:schemeClr val="lt1"/>
-          </a:fontRef>
-        </p:style>
-        <p:txBody>
-          <a:bodyPr rtlCol="0" anchor="ctr"/>
-          <a:lstStyle/>
-          <a:p>
-            <a:pPr algn="ctr"/>
-            <a:r>
-              <a:rPr lang="es-ES" sz="1400" dirty="0"/>
-              <a:t>ENTIDADES</a:t>
-            </a:r>
-            <a:endParaRPr lang="es-ES" dirty="0"/>
-          </a:p>
-        </p:txBody>
-      </p:sp>
-      <p:sp>
-        <p:nvSpPr>
-          <p:cNvPr id="8" name="Rombo 7">
-            <a:extLst>
-              <a:ext uri="{FF2B5EF4-FFF2-40B4-BE49-F238E27FC236}">
-                <a16:creationId xmlns:a16="http://schemas.microsoft.com/office/drawing/2014/main" id="{C4E8BDC6-1909-AEE2-490B-D7BC1AE03CCE}"/>
-              </a:ext>
-            </a:extLst>
-          </p:cNvPr>
-          <p:cNvSpPr/>
-          <p:nvPr/>
-        </p:nvSpPr>
-        <p:spPr>
-          <a:xfrm>
-            <a:off x="6410633" y="2143743"/>
-            <a:ext cx="2015613" cy="599767"/>
-          </a:xfrm>
-          <a:prstGeom prst="diamond">
-            <a:avLst/>
-          </a:prstGeom>
-        </p:spPr>
-        <p:style>
-          <a:lnRef idx="2">
-            <a:schemeClr val="accent1">
-              <a:shade val="15000"/>
-            </a:schemeClr>
-          </a:lnRef>
-          <a:fillRef idx="1">
-            <a:schemeClr val="accent1"/>
-          </a:fillRef>
-          <a:effectRef idx="0">
-            <a:schemeClr val="accent1"/>
-          </a:effectRef>
-          <a:fontRef idx="minor">
-            <a:schemeClr val="lt1"/>
-          </a:fontRef>
-        </p:style>
-        <p:txBody>
-          <a:bodyPr rtlCol="0" anchor="ctr"/>
-          <a:lstStyle/>
-          <a:p>
-            <a:pPr algn="ctr"/>
-            <a:r>
-              <a:rPr lang="es-ES" sz="1100" dirty="0"/>
-              <a:t>RELACIONES</a:t>
-            </a:r>
-          </a:p>
-        </p:txBody>
-      </p:sp>
       <p:pic>
         <p:nvPicPr>
           <p:cNvPr id="3" name="Imagen 2">
             <a:extLst>
               <a:ext uri="{FF2B5EF4-FFF2-40B4-BE49-F238E27FC236}">
-                <a16:creationId xmlns:a16="http://schemas.microsoft.com/office/drawing/2014/main" id="{0259424E-1422-F915-17D8-2A8BCE1C6ABB}"/>
+                <a16:creationId xmlns:a16="http://schemas.microsoft.com/office/drawing/2014/main" id="{3C1088A1-EC05-D539-B1DD-0F8CD42E0B45}"/>
               </a:ext>
             </a:extLst>
           </p:cNvPr>
@@ -4084,23 +4570,107 @@
         </p:blipFill>
         <p:spPr>
           <a:xfrm>
-            <a:off x="398488" y="254620"/>
-            <a:ext cx="4846740" cy="4854361"/>
+            <a:off x="600568" y="1497881"/>
+            <a:ext cx="6011317" cy="2090893"/>
           </a:xfrm>
           <a:prstGeom prst="rect">
             <a:avLst/>
           </a:prstGeom>
-          <a:ln>
-            <a:solidFill>
-              <a:schemeClr val="tx1"/>
-            </a:solidFill>
-          </a:ln>
         </p:spPr>
       </p:pic>
+      <p:pic>
+        <p:nvPicPr>
+          <p:cNvPr id="8" name="Imagen 7">
+            <a:extLst>
+              <a:ext uri="{FF2B5EF4-FFF2-40B4-BE49-F238E27FC236}">
+                <a16:creationId xmlns:a16="http://schemas.microsoft.com/office/drawing/2014/main" id="{E5944603-68A2-EAD2-B1A3-CE6524FBC079}"/>
+              </a:ext>
+            </a:extLst>
+          </p:cNvPr>
+          <p:cNvPicPr>
+            <a:picLocks noChangeAspect="1"/>
+          </p:cNvPicPr>
+          <p:nvPr/>
+        </p:nvPicPr>
+        <p:blipFill>
+          <a:blip r:embed="rId3"/>
+          <a:stretch>
+            <a:fillRect/>
+          </a:stretch>
+        </p:blipFill>
+        <p:spPr>
+          <a:xfrm>
+            <a:off x="600568" y="284143"/>
+            <a:ext cx="3284775" cy="571264"/>
+          </a:xfrm>
+          <a:prstGeom prst="rect">
+            <a:avLst/>
+          </a:prstGeom>
+        </p:spPr>
+      </p:pic>
+      <p:sp>
+        <p:nvSpPr>
+          <p:cNvPr id="9" name="CuadroTexto 8">
+            <a:extLst>
+              <a:ext uri="{FF2B5EF4-FFF2-40B4-BE49-F238E27FC236}">
+                <a16:creationId xmlns:a16="http://schemas.microsoft.com/office/drawing/2014/main" id="{00243663-38C8-E705-C618-AE8338FD2971}"/>
+              </a:ext>
+            </a:extLst>
+          </p:cNvPr>
+          <p:cNvSpPr txBox="1"/>
+          <p:nvPr/>
+        </p:nvSpPr>
+        <p:spPr>
+          <a:xfrm>
+            <a:off x="5262150" y="1497881"/>
+            <a:ext cx="5504171" cy="646331"/>
+          </a:xfrm>
+          <a:prstGeom prst="rect">
+            <a:avLst/>
+          </a:prstGeom>
+          <a:noFill/>
+        </p:spPr>
+        <p:txBody>
+          <a:bodyPr wrap="square" rtlCol="0">
+            <a:spAutoFit/>
+          </a:bodyPr>
+          <a:lstStyle/>
+          <a:p>
+            <a:r>
+              <a:rPr lang="es-ES" dirty="0"/>
+              <a:t>La tabla </a:t>
+            </a:r>
+            <a:r>
+              <a:rPr lang="es-ES" i="1" dirty="0"/>
+              <a:t>articulos</a:t>
+            </a:r>
+            <a:r>
+              <a:rPr lang="es-ES" dirty="0"/>
+              <a:t> utiliza como fk el </a:t>
+            </a:r>
+            <a:r>
+              <a:rPr lang="es-ES" u="sng" dirty="0"/>
+              <a:t>cod_</a:t>
+            </a:r>
+            <a:r>
+              <a:rPr lang="es-ES" dirty="0"/>
+              <a:t>fabricantes de la tabla </a:t>
+            </a:r>
+            <a:r>
+              <a:rPr lang="es-ES" i="1" dirty="0"/>
+              <a:t>fabricantes</a:t>
+            </a:r>
+            <a:r>
+              <a:rPr lang="es-ES" dirty="0"/>
+              <a:t>. </a:t>
+            </a:r>
+          </a:p>
+        </p:txBody>
+      </p:sp>
     </p:spTree>
     <p:extLst>
       <p:ext uri="{BB962C8B-B14F-4D97-AF65-F5344CB8AC3E}">
-        <p14:creationId xmlns:p14="http://schemas.microsoft.com/office/powerpoint/2010/main" val="1567985100"/>
+        <p14:creationId xmlns:p14="http://schemas.microsoft.com/office/powerpoint/2010/main" val="2150297991"/>
       </p:ext>
     </p:extLst>
   </p:cSld>
@@ -4127,423 +4697,12 @@
           <a:chExt cx="0" cy="0"/>
         </a:xfrm>
       </p:grpSpPr>
-      <p:sp>
-        <p:nvSpPr>
-          <p:cNvPr id="5" name="CuadroTexto 4">
-            <a:extLst>
-              <a:ext uri="{FF2B5EF4-FFF2-40B4-BE49-F238E27FC236}">
-                <a16:creationId xmlns:a16="http://schemas.microsoft.com/office/drawing/2014/main" id="{F4512FEC-F3A2-2CD3-2304-9BD798AA9278}"/>
-              </a:ext>
-            </a:extLst>
-          </p:cNvPr>
-          <p:cNvSpPr txBox="1"/>
-          <p:nvPr/>
-        </p:nvSpPr>
-        <p:spPr>
-          <a:xfrm>
-            <a:off x="6666272" y="850238"/>
-            <a:ext cx="4961871" cy="2031325"/>
-          </a:xfrm>
-          <a:prstGeom prst="rect">
-            <a:avLst/>
-          </a:prstGeom>
-          <a:noFill/>
-        </p:spPr>
-        <p:txBody>
-          <a:bodyPr wrap="none" rtlCol="0">
-            <a:spAutoFit/>
-          </a:bodyPr>
-          <a:lstStyle/>
-          <a:p>
-            <a:r>
-              <a:rPr lang="es-ES" dirty="0"/>
-              <a:t>Coche ( </a:t>
-            </a:r>
-            <a:r>
-              <a:rPr lang="es-ES" u="sng" dirty="0"/>
-              <a:t>#coche</a:t>
-            </a:r>
-            <a:r>
-              <a:rPr lang="es-ES" dirty="0"/>
-              <a:t>, marca, modelo, matrícula,…)</a:t>
-            </a:r>
-          </a:p>
-          <a:p>
-            <a:r>
-              <a:rPr lang="es-ES" dirty="0"/>
-              <a:t>Parque_bomberos (</a:t>
-            </a:r>
-            <a:r>
-              <a:rPr lang="es-ES" u="sng" dirty="0"/>
-              <a:t>cod_parque</a:t>
-            </a:r>
-            <a:r>
-              <a:rPr lang="es-ES" dirty="0"/>
-              <a:t>, nombre, dir,…)</a:t>
-            </a:r>
-          </a:p>
-          <a:p>
-            <a:r>
-              <a:rPr lang="es-ES" dirty="0"/>
-              <a:t>Bombero (</a:t>
-            </a:r>
-            <a:r>
-              <a:rPr lang="es-ES" u="sng" dirty="0"/>
-              <a:t>cod_bombero</a:t>
-            </a:r>
-            <a:r>
-              <a:rPr lang="es-ES" dirty="0"/>
-              <a:t>, nom, apellidos,…)</a:t>
-            </a:r>
-          </a:p>
-          <a:p>
-            <a:r>
-              <a:rPr lang="es-ES" dirty="0"/>
-              <a:t>Turno (</a:t>
-            </a:r>
-            <a:r>
-              <a:rPr lang="es-ES" u="sng" dirty="0"/>
-              <a:t>cod_turno</a:t>
-            </a:r>
-            <a:r>
-              <a:rPr lang="es-ES" dirty="0"/>
-              <a:t>, descripción)</a:t>
-            </a:r>
-          </a:p>
-          <a:p>
-            <a:r>
-              <a:rPr lang="es-ES" dirty="0"/>
-              <a:t>Período (</a:t>
-            </a:r>
-            <a:r>
-              <a:rPr lang="es-ES" u="sng" dirty="0"/>
-              <a:t>fecha_inicio</a:t>
-            </a:r>
-            <a:r>
-              <a:rPr lang="es-ES" dirty="0"/>
-              <a:t>, </a:t>
-            </a:r>
-            <a:r>
-              <a:rPr lang="es-ES" u="sng" dirty="0"/>
-              <a:t>fecha_fin</a:t>
-            </a:r>
-            <a:r>
-              <a:rPr lang="es-ES" dirty="0"/>
-              <a:t>)</a:t>
-            </a:r>
-          </a:p>
-          <a:p>
-            <a:r>
-              <a:rPr lang="es-ES" dirty="0"/>
-              <a:t>Equipo (</a:t>
-            </a:r>
-            <a:r>
-              <a:rPr lang="es-ES" u="sng" dirty="0"/>
-              <a:t>cod_eq</a:t>
-            </a:r>
-            <a:r>
-              <a:rPr lang="es-ES" dirty="0"/>
-              <a:t>, nombre)</a:t>
-            </a:r>
-          </a:p>
-          <a:p>
-            <a:r>
-              <a:rPr lang="es-ES" dirty="0"/>
-              <a:t>Petición_servicio (</a:t>
-            </a:r>
-            <a:r>
-              <a:rPr lang="es-ES" u="sng" dirty="0"/>
-              <a:t>cod_petición</a:t>
-            </a:r>
-            <a:r>
-              <a:rPr lang="es-ES" dirty="0"/>
-              <a:t>, tipo_serv, …)</a:t>
-            </a:r>
-          </a:p>
-        </p:txBody>
-      </p:sp>
-      <p:sp>
-        <p:nvSpPr>
-          <p:cNvPr id="6" name="CuadroTexto 5">
-            <a:extLst>
-              <a:ext uri="{FF2B5EF4-FFF2-40B4-BE49-F238E27FC236}">
-                <a16:creationId xmlns:a16="http://schemas.microsoft.com/office/drawing/2014/main" id="{9E2D9CA4-EE8A-E80D-BA1F-680F99EFFAA5}"/>
-              </a:ext>
-            </a:extLst>
-          </p:cNvPr>
-          <p:cNvSpPr txBox="1"/>
-          <p:nvPr/>
-        </p:nvSpPr>
-        <p:spPr>
-          <a:xfrm>
-            <a:off x="6666272" y="4364438"/>
-            <a:ext cx="5673091" cy="1754326"/>
-          </a:xfrm>
-          <a:prstGeom prst="rect">
-            <a:avLst/>
-          </a:prstGeom>
-          <a:noFill/>
-        </p:spPr>
-        <p:txBody>
-          <a:bodyPr wrap="none" rtlCol="0">
-            <a:spAutoFit/>
-          </a:bodyPr>
-          <a:lstStyle/>
-          <a:p>
-            <a:r>
-              <a:rPr lang="es-ES" dirty="0"/>
-              <a:t>Tiene (</a:t>
-            </a:r>
-            <a:r>
-              <a:rPr lang="es-ES" u="sng" dirty="0"/>
-              <a:t>#coche</a:t>
-            </a:r>
-            <a:r>
-              <a:rPr lang="es-ES" dirty="0"/>
-              <a:t>, </a:t>
-            </a:r>
-            <a:r>
-              <a:rPr lang="es-ES" u="sng" dirty="0"/>
-              <a:t>cod_parque</a:t>
-            </a:r>
-            <a:r>
-              <a:rPr lang="es-ES" dirty="0"/>
-              <a:t>)</a:t>
-            </a:r>
-          </a:p>
-          <a:p>
-            <a:r>
-              <a:rPr lang="es-ES" dirty="0"/>
-              <a:t>Pertenece (</a:t>
-            </a:r>
-            <a:r>
-              <a:rPr lang="es-ES" u="sng" dirty="0"/>
-              <a:t>cod_bombero</a:t>
-            </a:r>
-            <a:r>
-              <a:rPr lang="es-ES" dirty="0"/>
-              <a:t>, </a:t>
-            </a:r>
-            <a:r>
-              <a:rPr lang="es-ES" u="sng" dirty="0"/>
-              <a:t>cod_parque</a:t>
-            </a:r>
-            <a:r>
-              <a:rPr lang="es-ES" dirty="0"/>
-              <a:t>)</a:t>
-            </a:r>
-          </a:p>
-          <a:p>
-            <a:r>
-              <a:rPr lang="es-ES" dirty="0"/>
-              <a:t>TrabajaEn (</a:t>
-            </a:r>
-            <a:r>
-              <a:rPr lang="es-ES" u="sng" dirty="0"/>
-              <a:t>cod_bombero</a:t>
-            </a:r>
-            <a:r>
-              <a:rPr lang="es-ES" dirty="0"/>
-              <a:t>, </a:t>
-            </a:r>
-            <a:r>
-              <a:rPr lang="es-ES" u="sng" dirty="0"/>
-              <a:t>cod_turno</a:t>
-            </a:r>
-            <a:r>
-              <a:rPr lang="es-ES" dirty="0"/>
-              <a:t>, </a:t>
-            </a:r>
-            <a:r>
-              <a:rPr lang="es-ES" u="sng" dirty="0"/>
-              <a:t>f_inicio</a:t>
-            </a:r>
-            <a:r>
-              <a:rPr lang="es-ES" dirty="0"/>
-              <a:t>, </a:t>
-            </a:r>
-            <a:r>
-              <a:rPr lang="es-ES" u="sng" dirty="0"/>
-              <a:t>fecha_fin</a:t>
-            </a:r>
-            <a:r>
-              <a:rPr lang="es-ES" dirty="0"/>
-              <a:t>)</a:t>
-            </a:r>
-          </a:p>
-          <a:p>
-            <a:r>
-              <a:rPr lang="es-ES" dirty="0"/>
-              <a:t>FormaParteDe (</a:t>
-            </a:r>
-            <a:r>
-              <a:rPr lang="es-ES" u="sng" dirty="0"/>
-              <a:t>cod_bombero</a:t>
-            </a:r>
-            <a:r>
-              <a:rPr lang="es-ES" dirty="0"/>
-              <a:t>, </a:t>
-            </a:r>
-            <a:r>
-              <a:rPr lang="es-ES" u="sng" dirty="0"/>
-              <a:t>cod_equipo</a:t>
-            </a:r>
-            <a:r>
-              <a:rPr lang="es-ES" dirty="0"/>
-              <a:t>, puesto)</a:t>
-            </a:r>
-          </a:p>
-          <a:p>
-            <a:r>
-              <a:rPr lang="es-ES" dirty="0"/>
-              <a:t>Atiende (</a:t>
-            </a:r>
-            <a:r>
-              <a:rPr lang="es-ES" u="sng" dirty="0"/>
-              <a:t>cod_equipo</a:t>
-            </a:r>
-            <a:r>
-              <a:rPr lang="es-ES" dirty="0"/>
-              <a:t>, </a:t>
-            </a:r>
-            <a:r>
-              <a:rPr lang="es-ES" u="sng" dirty="0"/>
-              <a:t>cod_petición</a:t>
-            </a:r>
-            <a:r>
-              <a:rPr lang="es-ES" dirty="0"/>
-              <a:t>)</a:t>
-            </a:r>
-          </a:p>
-          <a:p>
-            <a:r>
-              <a:rPr lang="es-ES" dirty="0"/>
-              <a:t>Recibe (</a:t>
-            </a:r>
-            <a:r>
-              <a:rPr lang="es-ES" u="sng" dirty="0"/>
-              <a:t>cod_parque</a:t>
-            </a:r>
-            <a:r>
-              <a:rPr lang="es-ES" dirty="0"/>
-              <a:t>, </a:t>
-            </a:r>
-            <a:r>
-              <a:rPr lang="es-ES" u="sng" dirty="0"/>
-              <a:t>cod_petición</a:t>
-            </a:r>
-            <a:r>
-              <a:rPr lang="es-ES" dirty="0"/>
-              <a:t>, fecha, hora)</a:t>
-            </a:r>
-          </a:p>
-        </p:txBody>
-      </p:sp>
-      <p:sp>
-        <p:nvSpPr>
-          <p:cNvPr id="7" name="Rectángulo 6">
-            <a:extLst>
-              <a:ext uri="{FF2B5EF4-FFF2-40B4-BE49-F238E27FC236}">
-                <a16:creationId xmlns:a16="http://schemas.microsoft.com/office/drawing/2014/main" id="{C84F00B1-6D18-B3B7-E3C2-85C0F56B86EC}"/>
-              </a:ext>
-            </a:extLst>
-          </p:cNvPr>
-          <p:cNvSpPr/>
-          <p:nvPr/>
-        </p:nvSpPr>
-        <p:spPr>
-          <a:xfrm>
-            <a:off x="6744930" y="374292"/>
-            <a:ext cx="1268361" cy="369332"/>
-          </a:xfrm>
-          <a:prstGeom prst="rect">
-            <a:avLst/>
-          </a:prstGeom>
-        </p:spPr>
-        <p:style>
-          <a:lnRef idx="2">
-            <a:schemeClr val="accent1">
-              <a:shade val="15000"/>
-            </a:schemeClr>
-          </a:lnRef>
-          <a:fillRef idx="1">
-            <a:schemeClr val="accent1"/>
-          </a:fillRef>
-          <a:effectRef idx="0">
-            <a:schemeClr val="accent1"/>
-          </a:effectRef>
-          <a:fontRef idx="minor">
-            <a:schemeClr val="lt1"/>
-          </a:fontRef>
-        </p:style>
-        <p:txBody>
-          <a:bodyPr rtlCol="0" anchor="ctr"/>
-          <a:lstStyle/>
-          <a:p>
-            <a:pPr algn="ctr"/>
-            <a:r>
-              <a:rPr lang="es-ES" sz="1400" dirty="0"/>
-              <a:t>ENTIDADES</a:t>
-            </a:r>
-            <a:endParaRPr lang="es-ES" dirty="0"/>
-          </a:p>
-        </p:txBody>
-      </p:sp>
-      <p:sp>
-        <p:nvSpPr>
-          <p:cNvPr id="8" name="Rombo 7">
-            <a:extLst>
-              <a:ext uri="{FF2B5EF4-FFF2-40B4-BE49-F238E27FC236}">
-                <a16:creationId xmlns:a16="http://schemas.microsoft.com/office/drawing/2014/main" id="{C4E8BDC6-1909-AEE2-490B-D7BC1AE03CCE}"/>
-              </a:ext>
-            </a:extLst>
-          </p:cNvPr>
-          <p:cNvSpPr/>
-          <p:nvPr/>
-        </p:nvSpPr>
-        <p:spPr>
-          <a:xfrm>
-            <a:off x="6666272" y="3630099"/>
-            <a:ext cx="2015613" cy="599767"/>
-          </a:xfrm>
-          <a:prstGeom prst="diamond">
-            <a:avLst/>
-          </a:prstGeom>
-        </p:spPr>
-        <p:style>
-          <a:lnRef idx="2">
-            <a:schemeClr val="accent1">
-              <a:shade val="15000"/>
-            </a:schemeClr>
-          </a:lnRef>
-          <a:fillRef idx="1">
-            <a:schemeClr val="accent1"/>
-          </a:fillRef>
-          <a:effectRef idx="0">
-            <a:schemeClr val="accent1"/>
-          </a:effectRef>
-          <a:fontRef idx="minor">
-            <a:schemeClr val="lt1"/>
-          </a:fontRef>
-        </p:style>
-        <p:txBody>
-          <a:bodyPr rtlCol="0" anchor="ctr"/>
-          <a:lstStyle/>
-          <a:p>
-            <a:pPr algn="ctr"/>
-            <a:r>
-              <a:rPr lang="es-ES" sz="1100" dirty="0"/>
-              <a:t>RELACIONES</a:t>
-            </a:r>
-          </a:p>
-        </p:txBody>
-      </p:sp>
       <p:pic>
         <p:nvPicPr>
-          <p:cNvPr id="10" name="Imagen 9">
-            <a:extLst>
-              <a:ext uri="{FF2B5EF4-FFF2-40B4-BE49-F238E27FC236}">
-                <a16:creationId xmlns:a16="http://schemas.microsoft.com/office/drawing/2014/main" id="{0279247F-D9DD-AE06-38DC-72029874A6CF}"/>
+          <p:cNvPr id="11" name="Imagen 10">
+            <a:extLst>
+              <a:ext uri="{FF2B5EF4-FFF2-40B4-BE49-F238E27FC236}">
+                <a16:creationId xmlns:a16="http://schemas.microsoft.com/office/drawing/2014/main" id="{2ED0A345-4B63-521A-4154-3002E6143472}"/>
               </a:ext>
             </a:extLst>
           </p:cNvPr>
@@ -4560,23 +4719,107 @@
         </p:blipFill>
         <p:spPr>
           <a:xfrm>
-            <a:off x="149593" y="226808"/>
-            <a:ext cx="6300369" cy="5007580"/>
+            <a:off x="678587" y="1497881"/>
+            <a:ext cx="6211245" cy="2179384"/>
           </a:xfrm>
           <a:prstGeom prst="rect">
             <a:avLst/>
           </a:prstGeom>
-          <a:ln>
-            <a:solidFill>
-              <a:schemeClr val="accent1"/>
-            </a:solidFill>
-          </a:ln>
+        </p:spPr>
+      </p:pic>
+      <p:sp>
+        <p:nvSpPr>
+          <p:cNvPr id="9" name="CuadroTexto 8">
+            <a:extLst>
+              <a:ext uri="{FF2B5EF4-FFF2-40B4-BE49-F238E27FC236}">
+                <a16:creationId xmlns:a16="http://schemas.microsoft.com/office/drawing/2014/main" id="{00243663-38C8-E705-C618-AE8338FD2971}"/>
+              </a:ext>
+            </a:extLst>
+          </p:cNvPr>
+          <p:cNvSpPr txBox="1"/>
+          <p:nvPr/>
+        </p:nvSpPr>
+        <p:spPr>
+          <a:xfrm>
+            <a:off x="5262150" y="1497881"/>
+            <a:ext cx="5504171" cy="646331"/>
+          </a:xfrm>
+          <a:prstGeom prst="rect">
+            <a:avLst/>
+          </a:prstGeom>
+          <a:noFill/>
+        </p:spPr>
+        <p:txBody>
+          <a:bodyPr wrap="square" rtlCol="0">
+            <a:spAutoFit/>
+          </a:bodyPr>
+          <a:lstStyle/>
+          <a:p>
+            <a:r>
+              <a:rPr lang="es-ES" dirty="0"/>
+              <a:t>La tabla </a:t>
+            </a:r>
+            <a:r>
+              <a:rPr lang="es-ES" i="1" dirty="0"/>
+              <a:t>empleados</a:t>
+            </a:r>
+            <a:r>
+              <a:rPr lang="es-ES" dirty="0"/>
+              <a:t> utiliza como fk el </a:t>
+            </a:r>
+            <a:r>
+              <a:rPr lang="es-ES" u="sng" dirty="0"/>
+              <a:t>cod_departamento</a:t>
+            </a:r>
+            <a:r>
+              <a:rPr lang="es-ES" dirty="0"/>
+              <a:t> de la tabla </a:t>
+            </a:r>
+            <a:r>
+              <a:rPr lang="es-ES" i="1" dirty="0"/>
+              <a:t>departamentos</a:t>
+            </a:r>
+            <a:r>
+              <a:rPr lang="es-ES" dirty="0"/>
+              <a:t>. </a:t>
+            </a:r>
+          </a:p>
+        </p:txBody>
+      </p:sp>
+      <p:pic>
+        <p:nvPicPr>
+          <p:cNvPr id="7" name="Imagen 6">
+            <a:extLst>
+              <a:ext uri="{FF2B5EF4-FFF2-40B4-BE49-F238E27FC236}">
+                <a16:creationId xmlns:a16="http://schemas.microsoft.com/office/drawing/2014/main" id="{6FDADD43-4FDA-F8DB-4DEF-B1C2A18D36F0}"/>
+              </a:ext>
+            </a:extLst>
+          </p:cNvPr>
+          <p:cNvPicPr>
+            <a:picLocks noChangeAspect="1"/>
+          </p:cNvPicPr>
+          <p:nvPr/>
+        </p:nvPicPr>
+        <p:blipFill>
+          <a:blip r:embed="rId3"/>
+          <a:stretch>
+            <a:fillRect/>
+          </a:stretch>
+        </p:blipFill>
+        <p:spPr>
+          <a:xfrm>
+            <a:off x="600568" y="284143"/>
+            <a:ext cx="3284775" cy="577543"/>
+          </a:xfrm>
+          <a:prstGeom prst="rect">
+            <a:avLst/>
+          </a:prstGeom>
         </p:spPr>
       </p:pic>
     </p:spTree>
     <p:extLst>
       <p:ext uri="{BB962C8B-B14F-4D97-AF65-F5344CB8AC3E}">
-        <p14:creationId xmlns:p14="http://schemas.microsoft.com/office/powerpoint/2010/main" val="3599291979"/>
+        <p14:creationId xmlns:p14="http://schemas.microsoft.com/office/powerpoint/2010/main" val="3142514357"/>
       </p:ext>
     </p:extLst>
   </p:cSld>
@@ -4603,360 +4846,12 @@
           <a:chExt cx="0" cy="0"/>
         </a:xfrm>
       </p:grpSpPr>
-      <p:sp>
-        <p:nvSpPr>
-          <p:cNvPr id="5" name="CuadroTexto 4">
-            <a:extLst>
-              <a:ext uri="{FF2B5EF4-FFF2-40B4-BE49-F238E27FC236}">
-                <a16:creationId xmlns:a16="http://schemas.microsoft.com/office/drawing/2014/main" id="{F4512FEC-F3A2-2CD3-2304-9BD798AA9278}"/>
-              </a:ext>
-            </a:extLst>
-          </p:cNvPr>
-          <p:cNvSpPr txBox="1"/>
-          <p:nvPr/>
-        </p:nvSpPr>
-        <p:spPr>
-          <a:xfrm>
-            <a:off x="6475435" y="623585"/>
-            <a:ext cx="5716565" cy="2031325"/>
-          </a:xfrm>
-          <a:prstGeom prst="rect">
-            <a:avLst/>
-          </a:prstGeom>
-          <a:noFill/>
-        </p:spPr>
-        <p:txBody>
-          <a:bodyPr wrap="none" rtlCol="0">
-            <a:spAutoFit/>
-          </a:bodyPr>
-          <a:lstStyle/>
-          <a:p>
-            <a:r>
-              <a:rPr lang="es-ES" dirty="0"/>
-              <a:t>Fondo (</a:t>
-            </a:r>
-            <a:r>
-              <a:rPr lang="es-ES" u="sng" dirty="0"/>
-              <a:t>título</a:t>
-            </a:r>
-            <a:r>
-              <a:rPr lang="es-ES" dirty="0"/>
-              <a:t>, </a:t>
-            </a:r>
-            <a:r>
-              <a:rPr lang="es-ES" u="sng" dirty="0"/>
-              <a:t>autor</a:t>
-            </a:r>
-            <a:r>
-              <a:rPr lang="es-ES" dirty="0"/>
-              <a:t>, qty)</a:t>
-            </a:r>
-          </a:p>
-          <a:p>
-            <a:r>
-              <a:rPr lang="es-ES" dirty="0"/>
-              <a:t>Libro (</a:t>
-            </a:r>
-            <a:r>
-              <a:rPr lang="es-ES" u="sng" dirty="0"/>
-              <a:t>signatura</a:t>
-            </a:r>
-            <a:r>
-              <a:rPr lang="es-ES" dirty="0"/>
-              <a:t>, disponible)</a:t>
-            </a:r>
-          </a:p>
-          <a:p>
-            <a:r>
-              <a:rPr lang="es-ES" dirty="0"/>
-              <a:t>Pres_S (</a:t>
-            </a:r>
-            <a:r>
-              <a:rPr lang="es-ES" u="sng" dirty="0"/>
-              <a:t>#prestamo</a:t>
-            </a:r>
-            <a:r>
-              <a:rPr lang="es-ES" dirty="0"/>
-              <a:t>, fecha_préstamo)</a:t>
-            </a:r>
-          </a:p>
-          <a:p>
-            <a:r>
-              <a:rPr lang="es-ES" dirty="0"/>
-              <a:t>Pres_E (</a:t>
-            </a:r>
-            <a:r>
-              <a:rPr lang="es-ES" u="sng" dirty="0"/>
-              <a:t>#prestamo</a:t>
-            </a:r>
-            <a:r>
-              <a:rPr lang="es-ES" dirty="0"/>
-              <a:t>, fecha_préstamo, fecha_devolución)</a:t>
-            </a:r>
-          </a:p>
-          <a:p>
-            <a:r>
-              <a:rPr lang="es-ES" dirty="0"/>
-              <a:t>Socios (</a:t>
-            </a:r>
-            <a:r>
-              <a:rPr lang="es-ES" u="sng" dirty="0"/>
-              <a:t>#socio</a:t>
-            </a:r>
-            <a:r>
-              <a:rPr lang="es-ES" dirty="0"/>
-              <a:t>, nom, apellidos, teléfono, fecha_cad)</a:t>
-            </a:r>
-          </a:p>
-          <a:p>
-            <a:r>
-              <a:rPr lang="es-ES" dirty="0"/>
-              <a:t>Sanción (</a:t>
-            </a:r>
-            <a:r>
-              <a:rPr lang="es-ES" u="sng" dirty="0"/>
-              <a:t>#días</a:t>
-            </a:r>
-            <a:r>
-              <a:rPr lang="es-ES" dirty="0"/>
-              <a:t>)</a:t>
-            </a:r>
-          </a:p>
-          <a:p>
-            <a:endParaRPr lang="es-ES" dirty="0"/>
-          </a:p>
-        </p:txBody>
-      </p:sp>
-      <p:sp>
-        <p:nvSpPr>
-          <p:cNvPr id="6" name="CuadroTexto 5">
-            <a:extLst>
-              <a:ext uri="{FF2B5EF4-FFF2-40B4-BE49-F238E27FC236}">
-                <a16:creationId xmlns:a16="http://schemas.microsoft.com/office/drawing/2014/main" id="{9E2D9CA4-EE8A-E80D-BA1F-680F99EFFAA5}"/>
-              </a:ext>
-            </a:extLst>
-          </p:cNvPr>
-          <p:cNvSpPr txBox="1"/>
-          <p:nvPr/>
-        </p:nvSpPr>
-        <p:spPr>
-          <a:xfrm>
-            <a:off x="6554093" y="3764670"/>
-            <a:ext cx="3056799" cy="1200329"/>
-          </a:xfrm>
-          <a:prstGeom prst="rect">
-            <a:avLst/>
-          </a:prstGeom>
-          <a:noFill/>
-        </p:spPr>
-        <p:txBody>
-          <a:bodyPr wrap="none" rtlCol="0">
-            <a:spAutoFit/>
-          </a:bodyPr>
-          <a:lstStyle/>
-          <a:p>
-            <a:r>
-              <a:rPr lang="es-ES" dirty="0"/>
-              <a:t>Hay (</a:t>
-            </a:r>
-            <a:r>
-              <a:rPr lang="es-ES" u="sng" dirty="0"/>
-              <a:t>título</a:t>
-            </a:r>
-            <a:r>
-              <a:rPr lang="es-ES" dirty="0"/>
-              <a:t>, </a:t>
-            </a:r>
-            <a:r>
-              <a:rPr lang="es-ES" u="sng" dirty="0"/>
-              <a:t>autor</a:t>
-            </a:r>
-            <a:r>
-              <a:rPr lang="es-ES" dirty="0"/>
-              <a:t>, </a:t>
-            </a:r>
-            <a:r>
-              <a:rPr lang="es-ES" u="sng" dirty="0"/>
-              <a:t>signatura</a:t>
-            </a:r>
-            <a:r>
-              <a:rPr lang="es-ES" dirty="0"/>
-              <a:t>)</a:t>
-            </a:r>
-          </a:p>
-          <a:p>
-            <a:r>
-              <a:rPr lang="es-ES" dirty="0"/>
-              <a:t>Es_De(</a:t>
-            </a:r>
-            <a:r>
-              <a:rPr lang="es-ES" u="sng" dirty="0"/>
-              <a:t>#prestamo</a:t>
-            </a:r>
-            <a:r>
-              <a:rPr lang="es-ES" dirty="0"/>
-              <a:t>, </a:t>
-            </a:r>
-            <a:r>
-              <a:rPr lang="es-ES" u="sng" dirty="0"/>
-              <a:t>signatura</a:t>
-            </a:r>
-            <a:r>
-              <a:rPr lang="es-ES" dirty="0"/>
-              <a:t>)</a:t>
-            </a:r>
-          </a:p>
-          <a:p>
-            <a:r>
-              <a:rPr lang="es-ES" dirty="0"/>
-              <a:t>Realiza (</a:t>
-            </a:r>
-            <a:r>
-              <a:rPr lang="es-ES" u="sng" dirty="0"/>
-              <a:t>#socio</a:t>
-            </a:r>
-            <a:r>
-              <a:rPr lang="es-ES" dirty="0"/>
-              <a:t>, </a:t>
-            </a:r>
-            <a:r>
-              <a:rPr lang="es-ES" u="sng" dirty="0"/>
-              <a:t>#prestamo</a:t>
-            </a:r>
-            <a:r>
-              <a:rPr lang="es-ES" dirty="0"/>
-              <a:t>)</a:t>
-            </a:r>
-          </a:p>
-          <a:p>
-            <a:r>
-              <a:rPr lang="es-ES" dirty="0"/>
-              <a:t>Tiene (</a:t>
-            </a:r>
-            <a:r>
-              <a:rPr lang="es-ES" u="sng" dirty="0"/>
-              <a:t>#socio</a:t>
-            </a:r>
-            <a:r>
-              <a:rPr lang="es-ES" dirty="0"/>
-              <a:t>, </a:t>
-            </a:r>
-            <a:r>
-              <a:rPr lang="es-ES" u="sng" dirty="0"/>
-              <a:t>#días</a:t>
-            </a:r>
-            <a:r>
-              <a:rPr lang="es-ES" dirty="0"/>
-              <a:t>)</a:t>
-            </a:r>
-          </a:p>
-        </p:txBody>
-      </p:sp>
-      <p:sp>
-        <p:nvSpPr>
-          <p:cNvPr id="7" name="Rectángulo 6">
-            <a:extLst>
-              <a:ext uri="{FF2B5EF4-FFF2-40B4-BE49-F238E27FC236}">
-                <a16:creationId xmlns:a16="http://schemas.microsoft.com/office/drawing/2014/main" id="{C84F00B1-6D18-B3B7-E3C2-85C0F56B86EC}"/>
-              </a:ext>
-            </a:extLst>
-          </p:cNvPr>
-          <p:cNvSpPr/>
-          <p:nvPr/>
-        </p:nvSpPr>
-        <p:spPr>
-          <a:xfrm>
-            <a:off x="6554093" y="147639"/>
-            <a:ext cx="1268361" cy="369332"/>
-          </a:xfrm>
-          <a:prstGeom prst="rect">
-            <a:avLst/>
-          </a:prstGeom>
-        </p:spPr>
-        <p:style>
-          <a:lnRef idx="2">
-            <a:schemeClr val="accent1">
-              <a:shade val="15000"/>
-            </a:schemeClr>
-          </a:lnRef>
-          <a:fillRef idx="1">
-            <a:schemeClr val="accent1"/>
-          </a:fillRef>
-          <a:effectRef idx="0">
-            <a:schemeClr val="accent1"/>
-          </a:effectRef>
-          <a:fontRef idx="minor">
-            <a:schemeClr val="lt1"/>
-          </a:fontRef>
-        </p:style>
-        <p:txBody>
-          <a:bodyPr rtlCol="0" anchor="ctr"/>
-          <a:lstStyle/>
-          <a:p>
-            <a:pPr algn="ctr"/>
-            <a:r>
-              <a:rPr lang="es-ES" sz="1400" dirty="0"/>
-              <a:t>ENTIDADES</a:t>
-            </a:r>
-            <a:endParaRPr lang="es-ES" dirty="0"/>
-          </a:p>
-        </p:txBody>
-      </p:sp>
-      <p:sp>
-        <p:nvSpPr>
-          <p:cNvPr id="8" name="Rombo 7">
-            <a:extLst>
-              <a:ext uri="{FF2B5EF4-FFF2-40B4-BE49-F238E27FC236}">
-                <a16:creationId xmlns:a16="http://schemas.microsoft.com/office/drawing/2014/main" id="{C4E8BDC6-1909-AEE2-490B-D7BC1AE03CCE}"/>
-              </a:ext>
-            </a:extLst>
-          </p:cNvPr>
-          <p:cNvSpPr/>
-          <p:nvPr/>
-        </p:nvSpPr>
-        <p:spPr>
-          <a:xfrm>
-            <a:off x="6554093" y="3030331"/>
-            <a:ext cx="2015613" cy="599767"/>
-          </a:xfrm>
-          <a:prstGeom prst="diamond">
-            <a:avLst/>
-          </a:prstGeom>
-        </p:spPr>
-        <p:style>
-          <a:lnRef idx="2">
-            <a:schemeClr val="accent1">
-              <a:shade val="15000"/>
-            </a:schemeClr>
-          </a:lnRef>
-          <a:fillRef idx="1">
-            <a:schemeClr val="accent1"/>
-          </a:fillRef>
-          <a:effectRef idx="0">
-            <a:schemeClr val="accent1"/>
-          </a:effectRef>
-          <a:fontRef idx="minor">
-            <a:schemeClr val="lt1"/>
-          </a:fontRef>
-        </p:style>
-        <p:txBody>
-          <a:bodyPr rtlCol="0" anchor="ctr"/>
-          <a:lstStyle/>
-          <a:p>
-            <a:pPr algn="ctr"/>
-            <a:r>
-              <a:rPr lang="es-ES" sz="1100" dirty="0"/>
-              <a:t>RELACIONES</a:t>
-            </a:r>
-          </a:p>
-        </p:txBody>
-      </p:sp>
       <p:pic>
         <p:nvPicPr>
           <p:cNvPr id="3" name="Imagen 2">
             <a:extLst>
               <a:ext uri="{FF2B5EF4-FFF2-40B4-BE49-F238E27FC236}">
-                <a16:creationId xmlns:a16="http://schemas.microsoft.com/office/drawing/2014/main" id="{23207905-3E8A-740E-748C-99CF5B6E26FE}"/>
+                <a16:creationId xmlns:a16="http://schemas.microsoft.com/office/drawing/2014/main" id="{53E49649-B05B-1DD8-ED43-DF6B06EC76AD}"/>
               </a:ext>
             </a:extLst>
           </p:cNvPr>
@@ -4973,23 +4868,107 @@
         </p:blipFill>
         <p:spPr>
           <a:xfrm>
-            <a:off x="94116" y="147639"/>
-            <a:ext cx="6340389" cy="4930567"/>
+            <a:off x="446804" y="1357281"/>
+            <a:ext cx="5649196" cy="2220072"/>
           </a:xfrm>
           <a:prstGeom prst="rect">
             <a:avLst/>
           </a:prstGeom>
-          <a:ln>
-            <a:solidFill>
-              <a:schemeClr val="accent1"/>
-            </a:solidFill>
-          </a:ln>
+        </p:spPr>
+      </p:pic>
+      <p:sp>
+        <p:nvSpPr>
+          <p:cNvPr id="9" name="CuadroTexto 8">
+            <a:extLst>
+              <a:ext uri="{FF2B5EF4-FFF2-40B4-BE49-F238E27FC236}">
+                <a16:creationId xmlns:a16="http://schemas.microsoft.com/office/drawing/2014/main" id="{00243663-38C8-E705-C618-AE8338FD2971}"/>
+              </a:ext>
+            </a:extLst>
+          </p:cNvPr>
+          <p:cNvSpPr txBox="1"/>
+          <p:nvPr/>
+        </p:nvSpPr>
+        <p:spPr>
+          <a:xfrm>
+            <a:off x="5262150" y="1497881"/>
+            <a:ext cx="5504171" cy="646331"/>
+          </a:xfrm>
+          <a:prstGeom prst="rect">
+            <a:avLst/>
+          </a:prstGeom>
+          <a:noFill/>
+        </p:spPr>
+        <p:txBody>
+          <a:bodyPr wrap="square" rtlCol="0">
+            <a:spAutoFit/>
+          </a:bodyPr>
+          <a:lstStyle/>
+          <a:p>
+            <a:r>
+              <a:rPr lang="es-ES" dirty="0"/>
+              <a:t>La tabla </a:t>
+            </a:r>
+            <a:r>
+              <a:rPr lang="es-ES" i="1" dirty="0"/>
+              <a:t>cajas</a:t>
+            </a:r>
+            <a:r>
+              <a:rPr lang="es-ES" dirty="0"/>
+              <a:t> utiliza como fk el </a:t>
+            </a:r>
+            <a:r>
+              <a:rPr lang="es-ES" u="sng" dirty="0"/>
+              <a:t>cod_almacen</a:t>
+            </a:r>
+            <a:r>
+              <a:rPr lang="es-ES" dirty="0"/>
+              <a:t> de la tabla </a:t>
+            </a:r>
+            <a:r>
+              <a:rPr lang="es-ES" i="1" dirty="0"/>
+              <a:t>almacenes</a:t>
+            </a:r>
+            <a:r>
+              <a:rPr lang="es-ES" dirty="0"/>
+              <a:t>. </a:t>
+            </a:r>
+          </a:p>
+        </p:txBody>
+      </p:sp>
+      <p:pic>
+        <p:nvPicPr>
+          <p:cNvPr id="6" name="Imagen 5">
+            <a:extLst>
+              <a:ext uri="{FF2B5EF4-FFF2-40B4-BE49-F238E27FC236}">
+                <a16:creationId xmlns:a16="http://schemas.microsoft.com/office/drawing/2014/main" id="{F21AA86D-3DEC-FEFB-D8A4-B86D18230C31}"/>
+              </a:ext>
+            </a:extLst>
+          </p:cNvPr>
+          <p:cNvPicPr>
+            <a:picLocks noChangeAspect="1"/>
+          </p:cNvPicPr>
+          <p:nvPr/>
+        </p:nvPicPr>
+        <p:blipFill>
+          <a:blip r:embed="rId3"/>
+          <a:stretch>
+            <a:fillRect/>
+          </a:stretch>
+        </p:blipFill>
+        <p:spPr>
+          <a:xfrm>
+            <a:off x="600569" y="339817"/>
+            <a:ext cx="3499484" cy="524923"/>
+          </a:xfrm>
+          <a:prstGeom prst="rect">
+            <a:avLst/>
+          </a:prstGeom>
         </p:spPr>
       </p:pic>
     </p:spTree>
     <p:extLst>
       <p:ext uri="{BB962C8B-B14F-4D97-AF65-F5344CB8AC3E}">
-        <p14:creationId xmlns:p14="http://schemas.microsoft.com/office/powerpoint/2010/main" val="102391630"/>
+        <p14:creationId xmlns:p14="http://schemas.microsoft.com/office/powerpoint/2010/main" val="653324719"/>
       </p:ext>
     </p:extLst>
   </p:cSld>
@@ -5016,300 +4995,12 @@
           <a:chExt cx="0" cy="0"/>
         </a:xfrm>
       </p:grpSpPr>
-      <p:sp>
-        <p:nvSpPr>
-          <p:cNvPr id="5" name="CuadroTexto 4">
-            <a:extLst>
-              <a:ext uri="{FF2B5EF4-FFF2-40B4-BE49-F238E27FC236}">
-                <a16:creationId xmlns:a16="http://schemas.microsoft.com/office/drawing/2014/main" id="{F4512FEC-F3A2-2CD3-2304-9BD798AA9278}"/>
-              </a:ext>
-            </a:extLst>
-          </p:cNvPr>
-          <p:cNvSpPr txBox="1"/>
-          <p:nvPr/>
-        </p:nvSpPr>
-        <p:spPr>
-          <a:xfrm>
-            <a:off x="6475435" y="623585"/>
-            <a:ext cx="3692678" cy="1477328"/>
-          </a:xfrm>
-          <a:prstGeom prst="rect">
-            <a:avLst/>
-          </a:prstGeom>
-          <a:noFill/>
-        </p:spPr>
-        <p:txBody>
-          <a:bodyPr wrap="none" rtlCol="0">
-            <a:spAutoFit/>
-          </a:bodyPr>
-          <a:lstStyle/>
-          <a:p>
-            <a:r>
-              <a:rPr lang="es-ES" dirty="0"/>
-              <a:t>Cliente (</a:t>
-            </a:r>
-            <a:r>
-              <a:rPr lang="es-ES" u="sng" dirty="0"/>
-              <a:t>cod_cliente</a:t>
-            </a:r>
-            <a:r>
-              <a:rPr lang="es-ES" dirty="0"/>
-              <a:t>, …)</a:t>
-            </a:r>
-          </a:p>
-          <a:p>
-            <a:r>
-              <a:rPr lang="es-ES" dirty="0"/>
-              <a:t>Pedido (</a:t>
-            </a:r>
-            <a:r>
-              <a:rPr lang="es-ES" u="sng" dirty="0"/>
-              <a:t>cod_pedido</a:t>
-            </a:r>
-            <a:r>
-              <a:rPr lang="es-ES" dirty="0"/>
-              <a:t>, fecha_pedido)</a:t>
-            </a:r>
-          </a:p>
-          <a:p>
-            <a:r>
-              <a:rPr lang="es-ES" dirty="0"/>
-              <a:t>Proveedor (</a:t>
-            </a:r>
-            <a:r>
-              <a:rPr lang="es-ES" u="sng" dirty="0"/>
-              <a:t>cod_proveedor</a:t>
-            </a:r>
-            <a:r>
-              <a:rPr lang="es-ES" dirty="0"/>
-              <a:t>, …)</a:t>
-            </a:r>
-          </a:p>
-          <a:p>
-            <a:r>
-              <a:rPr lang="es-ES" dirty="0"/>
-              <a:t>Producto (</a:t>
-            </a:r>
-            <a:r>
-              <a:rPr lang="es-ES" u="sng" dirty="0"/>
-              <a:t>cod_producto</a:t>
-            </a:r>
-            <a:r>
-              <a:rPr lang="es-ES" dirty="0"/>
-              <a:t>, qty)</a:t>
-            </a:r>
-          </a:p>
-          <a:p>
-            <a:endParaRPr lang="es-ES" dirty="0"/>
-          </a:p>
-        </p:txBody>
-      </p:sp>
-      <p:sp>
-        <p:nvSpPr>
-          <p:cNvPr id="6" name="CuadroTexto 5">
-            <a:extLst>
-              <a:ext uri="{FF2B5EF4-FFF2-40B4-BE49-F238E27FC236}">
-                <a16:creationId xmlns:a16="http://schemas.microsoft.com/office/drawing/2014/main" id="{9E2D9CA4-EE8A-E80D-BA1F-680F99EFFAA5}"/>
-              </a:ext>
-            </a:extLst>
-          </p:cNvPr>
-          <p:cNvSpPr txBox="1"/>
-          <p:nvPr/>
-        </p:nvSpPr>
-        <p:spPr>
-          <a:xfrm>
-            <a:off x="6554093" y="3764670"/>
-            <a:ext cx="4668779" cy="1200329"/>
-          </a:xfrm>
-          <a:prstGeom prst="rect">
-            <a:avLst/>
-          </a:prstGeom>
-          <a:noFill/>
-        </p:spPr>
-        <p:txBody>
-          <a:bodyPr wrap="none" rtlCol="0">
-            <a:spAutoFit/>
-          </a:bodyPr>
-          <a:lstStyle/>
-          <a:p>
-            <a:r>
-              <a:rPr lang="es-ES" dirty="0"/>
-              <a:t>Realiza (</a:t>
-            </a:r>
-            <a:r>
-              <a:rPr lang="es-ES" u="sng" dirty="0"/>
-              <a:t>cod_cliente</a:t>
-            </a:r>
-            <a:r>
-              <a:rPr lang="es-ES" dirty="0"/>
-              <a:t>, </a:t>
-            </a:r>
-            <a:r>
-              <a:rPr lang="es-ES" u="sng" dirty="0"/>
-              <a:t>cod_pedido</a:t>
-            </a:r>
-            <a:r>
-              <a:rPr lang="es-ES" dirty="0"/>
-              <a:t>)</a:t>
-            </a:r>
-          </a:p>
-          <a:p>
-            <a:r>
-              <a:rPr lang="es-ES" dirty="0"/>
-              <a:t>Es_De (</a:t>
-            </a:r>
-            <a:r>
-              <a:rPr lang="es-ES" u="sng" dirty="0"/>
-              <a:t>cod_producto</a:t>
-            </a:r>
-            <a:r>
-              <a:rPr lang="es-ES" dirty="0"/>
-              <a:t>, </a:t>
-            </a:r>
-            <a:r>
-              <a:rPr lang="es-ES" u="sng" dirty="0"/>
-              <a:t>cod_pedido</a:t>
-            </a:r>
-            <a:r>
-              <a:rPr lang="es-ES" dirty="0"/>
-              <a:t>, #ud)</a:t>
-            </a:r>
-          </a:p>
-          <a:p>
-            <a:r>
-              <a:rPr lang="es-ES" dirty="0"/>
-              <a:t>Encarga ( </a:t>
-            </a:r>
-            <a:r>
-              <a:rPr lang="es-ES" u="sng" dirty="0"/>
-              <a:t>cod_producto</a:t>
-            </a:r>
-            <a:r>
-              <a:rPr lang="es-ES" dirty="0"/>
-              <a:t>, </a:t>
-            </a:r>
-            <a:r>
-              <a:rPr lang="es-ES" u="sng" dirty="0"/>
-              <a:t>cod_proveedor</a:t>
-            </a:r>
-            <a:r>
-              <a:rPr lang="es-ES" dirty="0"/>
-              <a:t>, uds,</a:t>
-            </a:r>
-          </a:p>
-          <a:p>
-            <a:r>
-              <a:rPr lang="es-ES" dirty="0"/>
-              <a:t>	fecha_encargo)</a:t>
-            </a:r>
-          </a:p>
-        </p:txBody>
-      </p:sp>
-      <p:sp>
-        <p:nvSpPr>
-          <p:cNvPr id="7" name="Rectángulo 6">
-            <a:extLst>
-              <a:ext uri="{FF2B5EF4-FFF2-40B4-BE49-F238E27FC236}">
-                <a16:creationId xmlns:a16="http://schemas.microsoft.com/office/drawing/2014/main" id="{C84F00B1-6D18-B3B7-E3C2-85C0F56B86EC}"/>
-              </a:ext>
-            </a:extLst>
-          </p:cNvPr>
-          <p:cNvSpPr/>
-          <p:nvPr/>
-        </p:nvSpPr>
-        <p:spPr>
-          <a:xfrm>
-            <a:off x="6554093" y="147639"/>
-            <a:ext cx="1268361" cy="369332"/>
-          </a:xfrm>
-          <a:prstGeom prst="rect">
-            <a:avLst/>
-          </a:prstGeom>
-        </p:spPr>
-        <p:style>
-          <a:lnRef idx="2">
-            <a:schemeClr val="accent1">
-              <a:shade val="15000"/>
-            </a:schemeClr>
-          </a:lnRef>
-          <a:fillRef idx="1">
-            <a:schemeClr val="accent1"/>
-          </a:fillRef>
-          <a:effectRef idx="0">
-            <a:schemeClr val="accent1"/>
-          </a:effectRef>
-          <a:fontRef idx="minor">
-            <a:schemeClr val="lt1"/>
-          </a:fontRef>
-        </p:style>
-        <p:txBody>
-          <a:bodyPr rtlCol="0" anchor="ctr"/>
-          <a:lstStyle/>
-          <a:p>
-            <a:pPr algn="ctr"/>
-            <a:r>
-              <a:rPr lang="es-ES" sz="1400" dirty="0"/>
-              <a:t>ENTIDADES</a:t>
-            </a:r>
-            <a:endParaRPr lang="es-ES" dirty="0"/>
-          </a:p>
-        </p:txBody>
-      </p:sp>
-      <p:sp>
-        <p:nvSpPr>
-          <p:cNvPr id="8" name="Rombo 7">
-            <a:extLst>
-              <a:ext uri="{FF2B5EF4-FFF2-40B4-BE49-F238E27FC236}">
-                <a16:creationId xmlns:a16="http://schemas.microsoft.com/office/drawing/2014/main" id="{C4E8BDC6-1909-AEE2-490B-D7BC1AE03CCE}"/>
-              </a:ext>
-            </a:extLst>
-          </p:cNvPr>
-          <p:cNvSpPr/>
-          <p:nvPr/>
-        </p:nvSpPr>
-        <p:spPr>
-          <a:xfrm>
-            <a:off x="6554093" y="3030331"/>
-            <a:ext cx="2015613" cy="599767"/>
-          </a:xfrm>
-          <a:prstGeom prst="diamond">
-            <a:avLst/>
-          </a:prstGeom>
-        </p:spPr>
-        <p:style>
-          <a:lnRef idx="2">
-            <a:schemeClr val="accent1">
-              <a:shade val="15000"/>
-            </a:schemeClr>
-          </a:lnRef>
-          <a:fillRef idx="1">
-            <a:schemeClr val="accent1"/>
-          </a:fillRef>
-          <a:effectRef idx="0">
-            <a:schemeClr val="accent1"/>
-          </a:effectRef>
-          <a:fontRef idx="minor">
-            <a:schemeClr val="lt1"/>
-          </a:fontRef>
-        </p:style>
-        <p:txBody>
-          <a:bodyPr rtlCol="0" anchor="ctr"/>
-          <a:lstStyle/>
-          <a:p>
-            <a:pPr algn="ctr"/>
-            <a:r>
-              <a:rPr lang="es-ES" sz="1100" dirty="0"/>
-              <a:t>RELACIONES</a:t>
-            </a:r>
-          </a:p>
-        </p:txBody>
-      </p:sp>
       <p:pic>
         <p:nvPicPr>
           <p:cNvPr id="4" name="Imagen 3">
             <a:extLst>
               <a:ext uri="{FF2B5EF4-FFF2-40B4-BE49-F238E27FC236}">
-                <a16:creationId xmlns:a16="http://schemas.microsoft.com/office/drawing/2014/main" id="{CEF94A18-5E6F-A88D-AB8D-D61D10BCC822}"/>
+                <a16:creationId xmlns:a16="http://schemas.microsoft.com/office/drawing/2014/main" id="{E801DB9F-768B-C0DC-884C-3946789B8FCD}"/>
               </a:ext>
             </a:extLst>
           </p:cNvPr>
@@ -5326,23 +5017,107 @@
         </p:blipFill>
         <p:spPr>
           <a:xfrm>
-            <a:off x="201683" y="258169"/>
-            <a:ext cx="5984629" cy="4706830"/>
+            <a:off x="220358" y="747246"/>
+            <a:ext cx="7759389" cy="2681754"/>
           </a:xfrm>
           <a:prstGeom prst="rect">
             <a:avLst/>
           </a:prstGeom>
-          <a:ln>
-            <a:solidFill>
-              <a:schemeClr val="accent1"/>
-            </a:solidFill>
-          </a:ln>
+        </p:spPr>
+      </p:pic>
+      <p:sp>
+        <p:nvSpPr>
+          <p:cNvPr id="9" name="CuadroTexto 8">
+            <a:extLst>
+              <a:ext uri="{FF2B5EF4-FFF2-40B4-BE49-F238E27FC236}">
+                <a16:creationId xmlns:a16="http://schemas.microsoft.com/office/drawing/2014/main" id="{00243663-38C8-E705-C618-AE8338FD2971}"/>
+              </a:ext>
+            </a:extLst>
+          </p:cNvPr>
+          <p:cNvSpPr txBox="1"/>
+          <p:nvPr/>
+        </p:nvSpPr>
+        <p:spPr>
+          <a:xfrm>
+            <a:off x="5547286" y="2903894"/>
+            <a:ext cx="5504171" cy="646331"/>
+          </a:xfrm>
+          <a:prstGeom prst="rect">
+            <a:avLst/>
+          </a:prstGeom>
+          <a:noFill/>
+        </p:spPr>
+        <p:txBody>
+          <a:bodyPr wrap="square" rtlCol="0">
+            <a:spAutoFit/>
+          </a:bodyPr>
+          <a:lstStyle/>
+          <a:p>
+            <a:r>
+              <a:rPr lang="es-ES" dirty="0"/>
+              <a:t>La tabla </a:t>
+            </a:r>
+            <a:r>
+              <a:rPr lang="es-ES" i="1" dirty="0"/>
+              <a:t>salas</a:t>
+            </a:r>
+            <a:r>
+              <a:rPr lang="es-ES" dirty="0"/>
+              <a:t> utiliza como fk el </a:t>
+            </a:r>
+            <a:r>
+              <a:rPr lang="es-ES" u="sng" dirty="0"/>
+              <a:t>cod_pelicula</a:t>
+            </a:r>
+            <a:r>
+              <a:rPr lang="es-ES" dirty="0"/>
+              <a:t> de la tabla </a:t>
+            </a:r>
+            <a:r>
+              <a:rPr lang="es-ES" i="1" dirty="0"/>
+              <a:t>peliculas</a:t>
+            </a:r>
+            <a:r>
+              <a:rPr lang="es-ES" dirty="0"/>
+              <a:t>. </a:t>
+            </a:r>
+          </a:p>
+        </p:txBody>
+      </p:sp>
+      <p:pic>
+        <p:nvPicPr>
+          <p:cNvPr id="8" name="Imagen 7">
+            <a:extLst>
+              <a:ext uri="{FF2B5EF4-FFF2-40B4-BE49-F238E27FC236}">
+                <a16:creationId xmlns:a16="http://schemas.microsoft.com/office/drawing/2014/main" id="{CADB0CCA-19CE-38C6-7148-AD9F797C33E8}"/>
+              </a:ext>
+            </a:extLst>
+          </p:cNvPr>
+          <p:cNvPicPr>
+            <a:picLocks noChangeAspect="1"/>
+          </p:cNvPicPr>
+          <p:nvPr/>
+        </p:nvPicPr>
+        <p:blipFill>
+          <a:blip r:embed="rId3"/>
+          <a:stretch>
+            <a:fillRect/>
+          </a:stretch>
+        </p:blipFill>
+        <p:spPr>
+          <a:xfrm>
+            <a:off x="600569" y="253311"/>
+            <a:ext cx="3587973" cy="640709"/>
+          </a:xfrm>
+          <a:prstGeom prst="rect">
+            <a:avLst/>
+          </a:prstGeom>
         </p:spPr>
       </p:pic>
     </p:spTree>
     <p:extLst>
       <p:ext uri="{BB962C8B-B14F-4D97-AF65-F5344CB8AC3E}">
-        <p14:creationId xmlns:p14="http://schemas.microsoft.com/office/powerpoint/2010/main" val="3630573442"/>
+        <p14:creationId xmlns:p14="http://schemas.microsoft.com/office/powerpoint/2010/main" val="2245770454"/>
       </p:ext>
     </p:extLst>
   </p:cSld>
@@ -5371,10 +5146,10 @@
       </p:grpSpPr>
       <p:sp>
         <p:nvSpPr>
-          <p:cNvPr id="5" name="CuadroTexto 4">
-            <a:extLst>
-              <a:ext uri="{FF2B5EF4-FFF2-40B4-BE49-F238E27FC236}">
-                <a16:creationId xmlns:a16="http://schemas.microsoft.com/office/drawing/2014/main" id="{F4512FEC-F3A2-2CD3-2304-9BD798AA9278}"/>
+          <p:cNvPr id="9" name="CuadroTexto 8">
+            <a:extLst>
+              <a:ext uri="{FF2B5EF4-FFF2-40B4-BE49-F238E27FC236}">
+                <a16:creationId xmlns:a16="http://schemas.microsoft.com/office/drawing/2014/main" id="{00243663-38C8-E705-C618-AE8338FD2971}"/>
               </a:ext>
             </a:extLst>
           </p:cNvPr>
@@ -5383,8 +5158,8 @@
         </p:nvSpPr>
         <p:spPr>
           <a:xfrm>
-            <a:off x="6475435" y="623585"/>
-            <a:ext cx="5114029" cy="1200329"/>
+            <a:off x="4996679" y="1547042"/>
+            <a:ext cx="5504171" cy="646331"/>
           </a:xfrm>
           <a:prstGeom prst="rect">
             <a:avLst/>
@@ -5392,152 +5167,38 @@
           <a:noFill/>
         </p:spPr>
         <p:txBody>
-          <a:bodyPr wrap="none" rtlCol="0">
+          <a:bodyPr wrap="square" rtlCol="0">
             <a:spAutoFit/>
           </a:bodyPr>
           <a:lstStyle/>
           <a:p>
             <a:r>
               <a:rPr lang="es-ES" dirty="0"/>
-              <a:t>Arrendatario (</a:t>
+              <a:t>La tabla </a:t>
+            </a:r>
+            <a:r>
+              <a:rPr lang="es-ES" i="1" dirty="0"/>
+              <a:t>directores</a:t>
+            </a:r>
+            <a:r>
+              <a:rPr lang="es-ES" dirty="0"/>
+              <a:t> utiliza como fk el </a:t>
             </a:r>
             <a:r>
               <a:rPr lang="es-ES" u="sng" dirty="0"/>
-              <a:t>NIF</a:t>
-            </a:r>
-            <a:r>
-              <a:rPr lang="es-ES" dirty="0"/>
-              <a:t>, nom_fiscal, nom_firmante,…)</a:t>
-            </a:r>
-          </a:p>
-          <a:p>
-            <a:r>
-              <a:rPr lang="es-ES" dirty="0"/>
-              <a:t>Nave (</a:t>
-            </a:r>
-            <a:r>
-              <a:rPr lang="es-ES" u="sng" dirty="0"/>
-              <a:t>cod_nave</a:t>
-            </a:r>
-            <a:r>
-              <a:rPr lang="es-ES" dirty="0"/>
-              <a:t>, plígono, calle, num, localidad,…)</a:t>
-            </a:r>
-          </a:p>
-          <a:p>
-            <a:r>
-              <a:rPr lang="es-ES" dirty="0"/>
-              <a:t>Recibo (</a:t>
-            </a:r>
-            <a:r>
-              <a:rPr lang="es-ES" u="sng" dirty="0"/>
-              <a:t>#recibo</a:t>
-            </a:r>
-            <a:r>
-              <a:rPr lang="es-ES" dirty="0"/>
-              <a:t>, importe_total, importe_IVA,…)</a:t>
-            </a:r>
-          </a:p>
-          <a:p>
-            <a:endParaRPr lang="es-ES" dirty="0"/>
-          </a:p>
-        </p:txBody>
-      </p:sp>
-      <p:sp>
-        <p:nvSpPr>
-          <p:cNvPr id="7" name="Rectángulo 6">
-            <a:extLst>
-              <a:ext uri="{FF2B5EF4-FFF2-40B4-BE49-F238E27FC236}">
-                <a16:creationId xmlns:a16="http://schemas.microsoft.com/office/drawing/2014/main" id="{C84F00B1-6D18-B3B7-E3C2-85C0F56B86EC}"/>
-              </a:ext>
-            </a:extLst>
-          </p:cNvPr>
-          <p:cNvSpPr/>
-          <p:nvPr/>
-        </p:nvSpPr>
-        <p:spPr>
-          <a:xfrm>
-            <a:off x="6554093" y="147639"/>
-            <a:ext cx="1268361" cy="369332"/>
-          </a:xfrm>
-          <a:prstGeom prst="rect">
-            <a:avLst/>
-          </a:prstGeom>
-        </p:spPr>
-        <p:style>
-          <a:lnRef idx="2">
-            <a:schemeClr val="accent1">
-              <a:shade val="15000"/>
-            </a:schemeClr>
-          </a:lnRef>
-          <a:fillRef idx="1">
-            <a:schemeClr val="accent1"/>
-          </a:fillRef>
-          <a:effectRef idx="0">
-            <a:schemeClr val="accent1"/>
-          </a:effectRef>
-          <a:fontRef idx="minor">
-            <a:schemeClr val="lt1"/>
-          </a:fontRef>
-        </p:style>
-        <p:txBody>
-          <a:bodyPr rtlCol="0" anchor="ctr"/>
-          <a:lstStyle/>
-          <a:p>
-            <a:pPr algn="ctr"/>
-            <a:r>
-              <a:rPr lang="es-ES" sz="1400" dirty="0"/>
-              <a:t>ENTIDADES</a:t>
-            </a:r>
-            <a:endParaRPr lang="es-ES" dirty="0"/>
-          </a:p>
-        </p:txBody>
-      </p:sp>
-      <p:sp>
-        <p:nvSpPr>
-          <p:cNvPr id="8" name="Rombo 7">
-            <a:extLst>
-              <a:ext uri="{FF2B5EF4-FFF2-40B4-BE49-F238E27FC236}">
-                <a16:creationId xmlns:a16="http://schemas.microsoft.com/office/drawing/2014/main" id="{C4E8BDC6-1909-AEE2-490B-D7BC1AE03CCE}"/>
-              </a:ext>
-            </a:extLst>
-          </p:cNvPr>
-          <p:cNvSpPr/>
-          <p:nvPr/>
-        </p:nvSpPr>
-        <p:spPr>
-          <a:xfrm>
-            <a:off x="6554093" y="3030331"/>
-            <a:ext cx="2015613" cy="599767"/>
-          </a:xfrm>
-          <a:prstGeom prst="diamond">
-            <a:avLst/>
-          </a:prstGeom>
-        </p:spPr>
-        <p:style>
-          <a:lnRef idx="2">
-            <a:schemeClr val="accent1">
-              <a:shade val="15000"/>
-            </a:schemeClr>
-          </a:lnRef>
-          <a:fillRef idx="1">
-            <a:schemeClr val="accent1"/>
-          </a:fillRef>
-          <a:effectRef idx="0">
-            <a:schemeClr val="accent1"/>
-          </a:effectRef>
-          <a:fontRef idx="minor">
-            <a:schemeClr val="lt1"/>
-          </a:fontRef>
-        </p:style>
-        <p:txBody>
-          <a:bodyPr rtlCol="0" anchor="ctr"/>
-          <a:lstStyle/>
-          <a:p>
-            <a:pPr algn="ctr"/>
-            <a:r>
-              <a:rPr lang="es-ES" sz="1100" dirty="0"/>
-              <a:t>RELACIONES</a:t>
+              <a:t>num_despacho</a:t>
+            </a:r>
+            <a:r>
+              <a:rPr lang="es-ES" dirty="0"/>
+              <a:t> de la tabla </a:t>
+            </a:r>
+            <a:r>
+              <a:rPr lang="es-ES" i="1" dirty="0"/>
+              <a:t>despachos</a:t>
+            </a:r>
+            <a:r>
+              <a:rPr lang="es-ES" dirty="0"/>
+              <a:t>. </a:t>
             </a:r>
           </a:p>
         </p:txBody>
@@ -5547,7 +5208,7 @@
           <p:cNvPr id="3" name="Imagen 2">
             <a:extLst>
               <a:ext uri="{FF2B5EF4-FFF2-40B4-BE49-F238E27FC236}">
-                <a16:creationId xmlns:a16="http://schemas.microsoft.com/office/drawing/2014/main" id="{E556BDD3-1460-8708-A40E-E61DBBC2FCE8}"/>
+                <a16:creationId xmlns:a16="http://schemas.microsoft.com/office/drawing/2014/main" id="{85114673-F2F5-5E4B-56D7-ADACF5F26283}"/>
               </a:ext>
             </a:extLst>
           </p:cNvPr>
@@ -5564,25 +5225,50 @@
         </p:blipFill>
         <p:spPr>
           <a:xfrm>
-            <a:off x="117987" y="208627"/>
-            <a:ext cx="6284711" cy="3894751"/>
+            <a:off x="375119" y="1262786"/>
+            <a:ext cx="3691909" cy="3633677"/>
           </a:xfrm>
           <a:prstGeom prst="rect">
             <a:avLst/>
           </a:prstGeom>
-          <a:ln>
-            <a:solidFill>
-              <a:schemeClr val="accent1"/>
-            </a:solidFill>
-          </a:ln>
         </p:spPr>
       </p:pic>
-      <p:sp>
-        <p:nvSpPr>
-          <p:cNvPr id="2" name="CuadroTexto 1">
-            <a:extLst>
-              <a:ext uri="{FF2B5EF4-FFF2-40B4-BE49-F238E27FC236}">
-                <a16:creationId xmlns:a16="http://schemas.microsoft.com/office/drawing/2014/main" id="{7AD8E422-5377-24FC-E73C-024E2F202FD1}"/>
+      <p:pic>
+        <p:nvPicPr>
+          <p:cNvPr id="7" name="Imagen 6">
+            <a:extLst>
+              <a:ext uri="{FF2B5EF4-FFF2-40B4-BE49-F238E27FC236}">
+                <a16:creationId xmlns:a16="http://schemas.microsoft.com/office/drawing/2014/main" id="{4F7ABEA5-3ABE-64A5-1660-83DCD295E152}"/>
+              </a:ext>
+            </a:extLst>
+          </p:cNvPr>
+          <p:cNvPicPr>
+            <a:picLocks noChangeAspect="1"/>
+          </p:cNvPicPr>
+          <p:nvPr/>
+        </p:nvPicPr>
+        <p:blipFill>
+          <a:blip r:embed="rId3"/>
+          <a:stretch>
+            <a:fillRect/>
+          </a:stretch>
+        </p:blipFill>
+        <p:spPr>
+          <a:xfrm>
+            <a:off x="600569" y="253311"/>
+            <a:ext cx="3466459" cy="603708"/>
+          </a:xfrm>
+          <a:prstGeom prst="rect">
+            <a:avLst/>
+          </a:prstGeom>
+        </p:spPr>
+      </p:pic>
+      <p:sp>
+        <p:nvSpPr>
+          <p:cNvPr id="10" name="CuadroTexto 9">
+            <a:extLst>
+              <a:ext uri="{FF2B5EF4-FFF2-40B4-BE49-F238E27FC236}">
+                <a16:creationId xmlns:a16="http://schemas.microsoft.com/office/drawing/2014/main" id="{C7B47374-F8E9-67CE-89C1-026CE75276B7}"/>
               </a:ext>
             </a:extLst>
           </p:cNvPr>
@@ -5591,8 +5277,8 @@
         </p:nvSpPr>
         <p:spPr>
           <a:xfrm>
-            <a:off x="6554093" y="3764670"/>
-            <a:ext cx="4810869" cy="923330"/>
+            <a:off x="4996679" y="3203778"/>
+            <a:ext cx="5504171" cy="1200329"/>
           </a:xfrm>
           <a:prstGeom prst="rect">
             <a:avLst/>
@@ -5600,58 +5286,30 @@
           <a:noFill/>
         </p:spPr>
         <p:txBody>
-          <a:bodyPr wrap="none" rtlCol="0">
+          <a:bodyPr wrap="square" rtlCol="0">
             <a:spAutoFit/>
           </a:bodyPr>
           <a:lstStyle/>
           <a:p>
             <a:r>
               <a:rPr lang="es-ES" dirty="0"/>
-              <a:t>Alquila (#cuenta, días_pago, fecha_alquiler, …)</a:t>
-            </a:r>
-          </a:p>
-          <a:p>
-            <a:r>
-              <a:rPr lang="es-ES" dirty="0"/>
-              <a:t>Corresponde (</a:t>
+              <a:t>Además, la tabla </a:t>
+            </a:r>
+            <a:r>
+              <a:rPr lang="es-ES" i="1" dirty="0"/>
+              <a:t>directores</a:t>
+            </a:r>
+            <a:r>
+              <a:rPr lang="es-ES" dirty="0"/>
+              <a:t> utiliza como fk el </a:t>
             </a:r>
             <a:r>
               <a:rPr lang="es-ES" u="sng" dirty="0"/>
-              <a:t>fk_#recibo</a:t>
-            </a:r>
-            <a:r>
-              <a:rPr lang="es-ES" dirty="0"/>
-              <a:t>, </a:t>
-            </a:r>
-            <a:r>
-              <a:rPr lang="es-ES" u="sng" dirty="0"/>
-              <a:t>fk_cod_nave</a:t>
-            </a:r>
-            <a:r>
-              <a:rPr lang="es-ES" dirty="0"/>
-              <a:t>)</a:t>
-            </a:r>
-          </a:p>
-          <a:p>
-            <a:r>
-              <a:rPr lang="es-ES" dirty="0"/>
-              <a:t>Es_De (</a:t>
-            </a:r>
-            <a:r>
-              <a:rPr lang="es-ES" u="sng" dirty="0"/>
-              <a:t>fk_#recibo</a:t>
-            </a:r>
-            <a:r>
-              <a:rPr lang="es-ES" dirty="0"/>
-              <a:t>, </a:t>
-            </a:r>
-            <a:r>
-              <a:rPr lang="es-ES" u="sng" dirty="0"/>
-              <a:t>fk_NIF</a:t>
-            </a:r>
-            <a:r>
-              <a:rPr lang="es-ES" dirty="0"/>
-              <a:t>)</a:t>
+              <a:t>DNI</a:t>
+            </a:r>
+            <a:r>
+              <a:rPr lang="es-ES" dirty="0"/>
+              <a:t> de la misma tabla, y lo utiliza como DNI_jefe, ya que la relación entre directores puede significar que un director tenga un director.</a:t>
             </a:r>
           </a:p>
         </p:txBody>
@@ -5659,7 +5317,7 @@
     </p:spTree>
     <p:extLst>
       <p:ext uri="{BB962C8B-B14F-4D97-AF65-F5344CB8AC3E}">
-        <p14:creationId xmlns:p14="http://schemas.microsoft.com/office/powerpoint/2010/main" val="4273667912"/>
+        <p14:creationId xmlns:p14="http://schemas.microsoft.com/office/powerpoint/2010/main" val="3458910597"/>
       </p:ext>
     </p:extLst>
   </p:cSld>
@@ -5688,10 +5346,10 @@
       </p:grpSpPr>
       <p:sp>
         <p:nvSpPr>
-          <p:cNvPr id="5" name="CuadroTexto 4">
-            <a:extLst>
-              <a:ext uri="{FF2B5EF4-FFF2-40B4-BE49-F238E27FC236}">
-                <a16:creationId xmlns:a16="http://schemas.microsoft.com/office/drawing/2014/main" id="{F4512FEC-F3A2-2CD3-2304-9BD798AA9278}"/>
+          <p:cNvPr id="9" name="CuadroTexto 8">
+            <a:extLst>
+              <a:ext uri="{FF2B5EF4-FFF2-40B4-BE49-F238E27FC236}">
+                <a16:creationId xmlns:a16="http://schemas.microsoft.com/office/drawing/2014/main" id="{00243663-38C8-E705-C618-AE8338FD2971}"/>
               </a:ext>
             </a:extLst>
           </p:cNvPr>
@@ -5700,8 +5358,8 @@
         </p:nvSpPr>
         <p:spPr>
           <a:xfrm>
-            <a:off x="6515475" y="623585"/>
-            <a:ext cx="5551969" cy="2308324"/>
+            <a:off x="3215065" y="3429000"/>
+            <a:ext cx="5504171" cy="646331"/>
           </a:xfrm>
           <a:prstGeom prst="rect">
             <a:avLst/>
@@ -5709,320 +5367,54 @@
           <a:noFill/>
         </p:spPr>
         <p:txBody>
-          <a:bodyPr wrap="none" rtlCol="0">
+          <a:bodyPr wrap="square" rtlCol="0">
             <a:spAutoFit/>
           </a:bodyPr>
           <a:lstStyle/>
           <a:p>
             <a:r>
               <a:rPr lang="es-ES" dirty="0"/>
-              <a:t>Piso (</a:t>
+              <a:t>La tabla </a:t>
+            </a:r>
+            <a:r>
+              <a:rPr lang="es-ES" i="1" dirty="0"/>
+              <a:t>suministra</a:t>
+            </a:r>
+            <a:r>
+              <a:rPr lang="es-ES" dirty="0"/>
+              <a:t> utiliza como fk el </a:t>
             </a:r>
             <a:r>
               <a:rPr lang="es-ES" u="sng" dirty="0"/>
-              <a:t>puerta</a:t>
-            </a:r>
-            <a:r>
-              <a:rPr lang="es-ES" dirty="0"/>
-              <a:t>, DNI, nom, apellidos, dir, CP, localidad,…)</a:t>
-            </a:r>
-          </a:p>
-          <a:p>
-            <a:r>
-              <a:rPr lang="es-ES" dirty="0"/>
-              <a:t>Cargo (</a:t>
+              <a:t>cod_pieza</a:t>
+            </a:r>
+            <a:r>
+              <a:rPr lang="es-ES" dirty="0"/>
+              <a:t> de la tabla </a:t>
+            </a:r>
+            <a:r>
+              <a:rPr lang="es-ES" i="1" dirty="0"/>
+              <a:t>piezas</a:t>
+            </a:r>
+            <a:r>
+              <a:rPr lang="es-ES" dirty="0"/>
+              <a:t> e </a:t>
             </a:r>
             <a:r>
               <a:rPr lang="es-ES" u="sng" dirty="0"/>
-              <a:t>cod_cargo</a:t>
-            </a:r>
-            <a:r>
-              <a:rPr lang="es-ES" dirty="0"/>
-              <a:t>, nom, funciones)</a:t>
-            </a:r>
-          </a:p>
-          <a:p>
-            <a:r>
-              <a:rPr lang="es-ES" dirty="0"/>
-              <a:t>Ing_recibido (</a:t>
-            </a:r>
-            <a:r>
-              <a:rPr lang="es-ES" u="sng" dirty="0"/>
-              <a:t>cod_anotación</a:t>
-            </a:r>
-            <a:r>
-              <a:rPr lang="es-ES" dirty="0"/>
-              <a:t>, (…), mes, pagado)</a:t>
-            </a:r>
-          </a:p>
-          <a:p>
-            <a:r>
-              <a:rPr lang="es-ES" dirty="0"/>
-              <a:t>Ing_extra (</a:t>
-            </a:r>
-            <a:r>
-              <a:rPr lang="es-ES" u="sng" dirty="0"/>
-              <a:t>cod_anotación</a:t>
-            </a:r>
-            <a:r>
-              <a:rPr lang="es-ES" dirty="0"/>
-              <a:t>, (…), concepto)</a:t>
-            </a:r>
-          </a:p>
-          <a:p>
-            <a:r>
-              <a:rPr lang="es-ES" dirty="0"/>
-              <a:t>Gasto_fijo (</a:t>
-            </a:r>
-            <a:r>
-              <a:rPr lang="es-ES" u="sng" dirty="0"/>
-              <a:t>cod_anotación</a:t>
-            </a:r>
-            <a:r>
-              <a:rPr lang="es-ES" dirty="0"/>
-              <a:t>, (…), fecha_inicio, …)</a:t>
-            </a:r>
-          </a:p>
-          <a:p>
-            <a:r>
-              <a:rPr lang="es-ES" dirty="0"/>
-              <a:t>Gasto_variable (</a:t>
-            </a:r>
-            <a:r>
-              <a:rPr lang="es-ES" u="sng" dirty="0"/>
-              <a:t>cod_anotación</a:t>
-            </a:r>
-            <a:r>
-              <a:rPr lang="es-ES" dirty="0"/>
-              <a:t>, (…), #factura,…)</a:t>
-            </a:r>
-          </a:p>
-          <a:p>
-            <a:r>
-              <a:rPr lang="es-ES" dirty="0"/>
-              <a:t>Detalle_recibo (</a:t>
-            </a:r>
-            <a:r>
-              <a:rPr lang="es-ES" u="sng" dirty="0"/>
-              <a:t>#linea</a:t>
-            </a:r>
-            <a:r>
-              <a:rPr lang="es-ES" dirty="0"/>
-              <a:t>, concepto, importe)</a:t>
-            </a:r>
-          </a:p>
-          <a:p>
-            <a:r>
-              <a:rPr lang="es-ES" dirty="0"/>
-              <a:t>Tipo_gasto_fijo (</a:t>
-            </a:r>
-            <a:r>
-              <a:rPr lang="es-ES" u="sng" dirty="0"/>
-              <a:t>cod_tipo_gasto</a:t>
-            </a:r>
-            <a:r>
-              <a:rPr lang="es-ES" dirty="0"/>
-              <a:t>, nombre, descripción)</a:t>
-            </a:r>
-          </a:p>
-        </p:txBody>
-      </p:sp>
-      <p:sp>
-        <p:nvSpPr>
-          <p:cNvPr id="6" name="CuadroTexto 5">
-            <a:extLst>
-              <a:ext uri="{FF2B5EF4-FFF2-40B4-BE49-F238E27FC236}">
-                <a16:creationId xmlns:a16="http://schemas.microsoft.com/office/drawing/2014/main" id="{9E2D9CA4-EE8A-E80D-BA1F-680F99EFFAA5}"/>
-              </a:ext>
-            </a:extLst>
-          </p:cNvPr>
-          <p:cNvSpPr txBox="1"/>
-          <p:nvPr/>
-        </p:nvSpPr>
-        <p:spPr>
-          <a:xfrm>
-            <a:off x="6594133" y="4054186"/>
-            <a:ext cx="4688848" cy="1200329"/>
-          </a:xfrm>
-          <a:prstGeom prst="rect">
-            <a:avLst/>
-          </a:prstGeom>
-          <a:noFill/>
-        </p:spPr>
-        <p:txBody>
-          <a:bodyPr wrap="none" rtlCol="0">
-            <a:spAutoFit/>
-          </a:bodyPr>
-          <a:lstStyle/>
-          <a:p>
-            <a:r>
-              <a:rPr lang="es-ES" dirty="0"/>
-              <a:t>Ostenta (fecha posesión)</a:t>
-            </a:r>
-          </a:p>
-          <a:p>
-            <a:r>
-              <a:rPr lang="es-ES" dirty="0"/>
-              <a:t>Realiza (</a:t>
-            </a:r>
-            <a:r>
-              <a:rPr lang="es-ES" u="sng" dirty="0"/>
-              <a:t>fk_puerta</a:t>
-            </a:r>
-            <a:r>
-              <a:rPr lang="es-ES" dirty="0"/>
-              <a:t>, </a:t>
-            </a:r>
-            <a:r>
-              <a:rPr lang="es-ES" u="sng" dirty="0"/>
-              <a:t>fk_cod_anotación</a:t>
-            </a:r>
-            <a:r>
-              <a:rPr lang="es-ES" dirty="0"/>
-              <a:t>)</a:t>
-            </a:r>
-          </a:p>
-          <a:p>
-            <a:r>
-              <a:rPr lang="es-ES" dirty="0"/>
-              <a:t>Tiene (</a:t>
-            </a:r>
-            <a:r>
-              <a:rPr lang="es-ES" u="sng" dirty="0"/>
-              <a:t>fk_cod_anotación</a:t>
-            </a:r>
-            <a:r>
-              <a:rPr lang="es-ES" dirty="0"/>
-              <a:t>, </a:t>
-            </a:r>
-            <a:r>
-              <a:rPr lang="es-ES" u="sng" dirty="0" err="1"/>
-              <a:t>fk_#linea</a:t>
-            </a:r>
-            <a:r>
-              <a:rPr lang="es-ES" dirty="0"/>
-              <a:t>)</a:t>
-            </a:r>
-          </a:p>
-          <a:p>
-            <a:r>
-              <a:rPr lang="es-ES" dirty="0"/>
-              <a:t>Es_De (</a:t>
-            </a:r>
-            <a:r>
-              <a:rPr lang="es-ES" u="sng" dirty="0"/>
-              <a:t>fk_cod_anotación</a:t>
-            </a:r>
-            <a:r>
-              <a:rPr lang="es-ES" dirty="0"/>
-              <a:t>, </a:t>
-            </a:r>
-            <a:r>
-              <a:rPr lang="es-ES" u="sng" dirty="0"/>
-              <a:t>fk_cod_tipo_gasto</a:t>
-            </a:r>
-            <a:r>
-              <a:rPr lang="es-ES" dirty="0"/>
-              <a:t>)</a:t>
-            </a:r>
-          </a:p>
-        </p:txBody>
-      </p:sp>
-      <p:sp>
-        <p:nvSpPr>
-          <p:cNvPr id="7" name="Rectángulo 6">
-            <a:extLst>
-              <a:ext uri="{FF2B5EF4-FFF2-40B4-BE49-F238E27FC236}">
-                <a16:creationId xmlns:a16="http://schemas.microsoft.com/office/drawing/2014/main" id="{C84F00B1-6D18-B3B7-E3C2-85C0F56B86EC}"/>
-              </a:ext>
-            </a:extLst>
-          </p:cNvPr>
-          <p:cNvSpPr/>
-          <p:nvPr/>
-        </p:nvSpPr>
-        <p:spPr>
-          <a:xfrm>
-            <a:off x="6594133" y="147639"/>
-            <a:ext cx="1268361" cy="369332"/>
-          </a:xfrm>
-          <a:prstGeom prst="rect">
-            <a:avLst/>
-          </a:prstGeom>
-        </p:spPr>
-        <p:style>
-          <a:lnRef idx="2">
-            <a:schemeClr val="accent1">
-              <a:shade val="15000"/>
-            </a:schemeClr>
-          </a:lnRef>
-          <a:fillRef idx="1">
-            <a:schemeClr val="accent1"/>
-          </a:fillRef>
-          <a:effectRef idx="0">
-            <a:schemeClr val="accent1"/>
-          </a:effectRef>
-          <a:fontRef idx="minor">
-            <a:schemeClr val="lt1"/>
-          </a:fontRef>
-        </p:style>
-        <p:txBody>
-          <a:bodyPr rtlCol="0" anchor="ctr"/>
-          <a:lstStyle/>
-          <a:p>
-            <a:pPr algn="ctr"/>
-            <a:r>
-              <a:rPr lang="es-ES" sz="1400" dirty="0"/>
-              <a:t>ENTIDADES</a:t>
-            </a:r>
-            <a:endParaRPr lang="es-ES" dirty="0"/>
-          </a:p>
-        </p:txBody>
-      </p:sp>
-      <p:sp>
-        <p:nvSpPr>
-          <p:cNvPr id="8" name="Rombo 7">
-            <a:extLst>
-              <a:ext uri="{FF2B5EF4-FFF2-40B4-BE49-F238E27FC236}">
-                <a16:creationId xmlns:a16="http://schemas.microsoft.com/office/drawing/2014/main" id="{C4E8BDC6-1909-AEE2-490B-D7BC1AE03CCE}"/>
-              </a:ext>
-            </a:extLst>
-          </p:cNvPr>
-          <p:cNvSpPr/>
-          <p:nvPr/>
-        </p:nvSpPr>
-        <p:spPr>
-          <a:xfrm>
-            <a:off x="6550781" y="3269753"/>
-            <a:ext cx="2015613" cy="599767"/>
-          </a:xfrm>
-          <a:prstGeom prst="diamond">
-            <a:avLst/>
-          </a:prstGeom>
-        </p:spPr>
-        <p:style>
-          <a:lnRef idx="2">
-            <a:schemeClr val="accent1">
-              <a:shade val="15000"/>
-            </a:schemeClr>
-          </a:lnRef>
-          <a:fillRef idx="1">
-            <a:schemeClr val="accent1"/>
-          </a:fillRef>
-          <a:effectRef idx="0">
-            <a:schemeClr val="accent1"/>
-          </a:effectRef>
-          <a:fontRef idx="minor">
-            <a:schemeClr val="lt1"/>
-          </a:fontRef>
-        </p:style>
-        <p:txBody>
-          <a:bodyPr rtlCol="0" anchor="ctr"/>
-          <a:lstStyle/>
-          <a:p>
-            <a:pPr algn="ctr"/>
-            <a:r>
-              <a:rPr lang="es-ES" sz="1100" dirty="0"/>
-              <a:t>RELACIONES</a:t>
+              <a:t>id_proveedor</a:t>
+            </a:r>
+            <a:r>
+              <a:rPr lang="es-ES" dirty="0"/>
+              <a:t> de la tabla </a:t>
+            </a:r>
+            <a:r>
+              <a:rPr lang="es-ES" i="1" dirty="0"/>
+              <a:t>proveedores</a:t>
+            </a:r>
+            <a:r>
+              <a:rPr lang="es-ES" dirty="0"/>
+              <a:t>. </a:t>
             </a:r>
           </a:p>
         </p:txBody>
@@ -6032,7 +5424,7 @@
           <p:cNvPr id="4" name="Imagen 3">
             <a:extLst>
               <a:ext uri="{FF2B5EF4-FFF2-40B4-BE49-F238E27FC236}">
-                <a16:creationId xmlns:a16="http://schemas.microsoft.com/office/drawing/2014/main" id="{F722F17F-93CD-6C71-A760-ADA9082AC6BD}"/>
+                <a16:creationId xmlns:a16="http://schemas.microsoft.com/office/drawing/2014/main" id="{B8C1537A-FEE0-EBD2-8CC5-0286B6F55473}"/>
               </a:ext>
             </a:extLst>
           </p:cNvPr>
@@ -6049,23 +5441,48 @@
         </p:blipFill>
         <p:spPr>
           <a:xfrm>
-            <a:off x="124556" y="147639"/>
-            <a:ext cx="6350880" cy="5656517"/>
+            <a:off x="600569" y="1258012"/>
+            <a:ext cx="10733165" cy="1695258"/>
           </a:xfrm>
           <a:prstGeom prst="rect">
             <a:avLst/>
           </a:prstGeom>
-          <a:ln>
-            <a:solidFill>
-              <a:schemeClr val="accent1"/>
-            </a:solidFill>
-          </a:ln>
+        </p:spPr>
+      </p:pic>
+      <p:pic>
+        <p:nvPicPr>
+          <p:cNvPr id="6" name="Imagen 5">
+            <a:extLst>
+              <a:ext uri="{FF2B5EF4-FFF2-40B4-BE49-F238E27FC236}">
+                <a16:creationId xmlns:a16="http://schemas.microsoft.com/office/drawing/2014/main" id="{F8C7BC2A-5F03-3CF6-3152-D9DAD5FD56BA}"/>
+              </a:ext>
+            </a:extLst>
+          </p:cNvPr>
+          <p:cNvPicPr>
+            <a:picLocks noChangeAspect="1"/>
+          </p:cNvPicPr>
+          <p:nvPr/>
+        </p:nvPicPr>
+        <p:blipFill>
+          <a:blip r:embed="rId3"/>
+          <a:stretch>
+            <a:fillRect/>
+          </a:stretch>
+        </p:blipFill>
+        <p:spPr>
+          <a:xfrm>
+            <a:off x="600569" y="389500"/>
+            <a:ext cx="4315560" cy="467519"/>
+          </a:xfrm>
+          <a:prstGeom prst="rect">
+            <a:avLst/>
+          </a:prstGeom>
         </p:spPr>
       </p:pic>
     </p:spTree>
     <p:extLst>
       <p:ext uri="{BB962C8B-B14F-4D97-AF65-F5344CB8AC3E}">
-        <p14:creationId xmlns:p14="http://schemas.microsoft.com/office/powerpoint/2010/main" val="3357802054"/>
+        <p14:creationId xmlns:p14="http://schemas.microsoft.com/office/powerpoint/2010/main" val="3296390493"/>
       </p:ext>
     </p:extLst>
   </p:cSld>
